--- a/CICD.pptx
+++ b/CICD.pptx
@@ -5,7 +5,7 @@
     <p:sldMasterId id="2147483658" r:id="rId4"/>
   </p:sldMasterIdLst>
   <p:notesMasterIdLst>
-    <p:notesMasterId r:id="rId58"/>
+    <p:notesMasterId r:id="rId55"/>
   </p:notesMasterIdLst>
   <p:sldIdLst>
     <p:sldId id="256" r:id="rId5"/>
@@ -23,44 +23,41 @@
     <p:sldId id="265" r:id="rId17"/>
     <p:sldId id="270" r:id="rId18"/>
     <p:sldId id="266" r:id="rId19"/>
-    <p:sldId id="276" r:id="rId20"/>
-    <p:sldId id="277" r:id="rId21"/>
-    <p:sldId id="287" r:id="rId22"/>
-    <p:sldId id="278" r:id="rId23"/>
-    <p:sldId id="279" r:id="rId24"/>
-    <p:sldId id="284" r:id="rId25"/>
-    <p:sldId id="281" r:id="rId26"/>
-    <p:sldId id="282" r:id="rId27"/>
-    <p:sldId id="280" r:id="rId28"/>
-    <p:sldId id="283" r:id="rId29"/>
-    <p:sldId id="293" r:id="rId30"/>
-    <p:sldId id="288" r:id="rId31"/>
-    <p:sldId id="263" r:id="rId32"/>
-    <p:sldId id="274" r:id="rId33"/>
-    <p:sldId id="292" r:id="rId34"/>
-    <p:sldId id="296" r:id="rId35"/>
-    <p:sldId id="290" r:id="rId36"/>
-    <p:sldId id="291" r:id="rId37"/>
-    <p:sldId id="289" r:id="rId38"/>
-    <p:sldId id="271" r:id="rId39"/>
-    <p:sldId id="273" r:id="rId40"/>
-    <p:sldId id="305" r:id="rId41"/>
-    <p:sldId id="294" r:id="rId42"/>
-    <p:sldId id="272" r:id="rId43"/>
-    <p:sldId id="307" r:id="rId44"/>
-    <p:sldId id="308" r:id="rId45"/>
-    <p:sldId id="309" r:id="rId46"/>
-    <p:sldId id="310" r:id="rId47"/>
-    <p:sldId id="302" r:id="rId48"/>
-    <p:sldId id="303" r:id="rId49"/>
-    <p:sldId id="304" r:id="rId50"/>
-    <p:sldId id="297" r:id="rId51"/>
-    <p:sldId id="298" r:id="rId52"/>
-    <p:sldId id="299" r:id="rId53"/>
-    <p:sldId id="300" r:id="rId54"/>
-    <p:sldId id="301" r:id="rId55"/>
-    <p:sldId id="275" r:id="rId56"/>
-    <p:sldId id="295" r:id="rId57"/>
+    <p:sldId id="308" r:id="rId20"/>
+    <p:sldId id="309" r:id="rId21"/>
+    <p:sldId id="310" r:id="rId22"/>
+    <p:sldId id="287" r:id="rId23"/>
+    <p:sldId id="278" r:id="rId24"/>
+    <p:sldId id="279" r:id="rId25"/>
+    <p:sldId id="284" r:id="rId26"/>
+    <p:sldId id="281" r:id="rId27"/>
+    <p:sldId id="282" r:id="rId28"/>
+    <p:sldId id="280" r:id="rId29"/>
+    <p:sldId id="283" r:id="rId30"/>
+    <p:sldId id="293" r:id="rId31"/>
+    <p:sldId id="288" r:id="rId32"/>
+    <p:sldId id="263" r:id="rId33"/>
+    <p:sldId id="274" r:id="rId34"/>
+    <p:sldId id="292" r:id="rId35"/>
+    <p:sldId id="296" r:id="rId36"/>
+    <p:sldId id="290" r:id="rId37"/>
+    <p:sldId id="291" r:id="rId38"/>
+    <p:sldId id="289" r:id="rId39"/>
+    <p:sldId id="271" r:id="rId40"/>
+    <p:sldId id="273" r:id="rId41"/>
+    <p:sldId id="305" r:id="rId42"/>
+    <p:sldId id="294" r:id="rId43"/>
+    <p:sldId id="272" r:id="rId44"/>
+    <p:sldId id="302" r:id="rId45"/>
+    <p:sldId id="303" r:id="rId46"/>
+    <p:sldId id="304" r:id="rId47"/>
+    <p:sldId id="297" r:id="rId48"/>
+    <p:sldId id="298" r:id="rId49"/>
+    <p:sldId id="299" r:id="rId50"/>
+    <p:sldId id="300" r:id="rId51"/>
+    <p:sldId id="301" r:id="rId52"/>
+    <p:sldId id="275" r:id="rId53"/>
+    <p:sldId id="295" r:id="rId54"/>
   </p:sldIdLst>
   <p:sldSz cx="12192000" cy="6858000"/>
   <p:notesSz cx="6858000" cy="9144000"/>
@@ -187,8 +184,9 @@
             <p14:sldId id="265"/>
             <p14:sldId id="270"/>
             <p14:sldId id="266"/>
-            <p14:sldId id="276"/>
-            <p14:sldId id="277"/>
+            <p14:sldId id="308"/>
+            <p14:sldId id="309"/>
+            <p14:sldId id="310"/>
           </p14:sldIdLst>
         </p14:section>
         <p14:section name="Designer to YAML BUILDS" id="{64A484F3-D64C-4C71-9540-1D8518BFFEE7}">
@@ -231,14 +229,6 @@
             <p14:sldId id="305"/>
             <p14:sldId id="294"/>
             <p14:sldId id="272"/>
-          </p14:sldIdLst>
-        </p14:section>
-        <p14:section name="CD/Releases" id="{C589BB3D-53EC-433A-8D75-BF77F6D6329F}">
-          <p14:sldIdLst>
-            <p14:sldId id="307"/>
-            <p14:sldId id="308"/>
-            <p14:sldId id="309"/>
-            <p14:sldId id="310"/>
           </p14:sldIdLst>
         </p14:section>
         <p14:section name="Helm" id="{DF664A36-8F7D-4BE3-A44B-AB4CEAF15C44}">
@@ -1134,7 +1124,7 @@
           <a:p>
             <a:fld id="{7FF5D190-B0D8-4761-AB29-0A399AE6E4C6}" type="slidenum">
               <a:rPr lang="en-US" smtClean="0"/>
-              <a:t>20</a:t>
+              <a:t>21</a:t>
             </a:fld>
             <a:endParaRPr lang="en-US"/>
           </a:p>
@@ -1249,7 +1239,7 @@
           <a:p>
             <a:fld id="{7FF5D190-B0D8-4761-AB29-0A399AE6E4C6}" type="slidenum">
               <a:rPr lang="en-US" smtClean="0"/>
-              <a:t>28</a:t>
+              <a:t>29</a:t>
             </a:fld>
             <a:endParaRPr lang="en-US"/>
           </a:p>
@@ -1353,7 +1343,7 @@
           <a:p>
             <a:fld id="{7FF5D190-B0D8-4761-AB29-0A399AE6E4C6}" type="slidenum">
               <a:rPr lang="en-US" smtClean="0"/>
-              <a:t>36</a:t>
+              <a:t>37</a:t>
             </a:fld>
             <a:endParaRPr lang="en-US"/>
           </a:p>
@@ -3106,6 +3096,43 @@
           </a:p>
         </p:txBody>
       </p:sp>
+      <p:sp>
+        <p:nvSpPr>
+          <p:cNvPr id="6" name="Rectangle 5">
+            <a:extLst>
+              <a:ext uri="{FF2B5EF4-FFF2-40B4-BE49-F238E27FC236}">
+                <a16:creationId xmlns:a16="http://schemas.microsoft.com/office/drawing/2014/main" id="{C696F152-5A34-43DC-A66E-ED2DC6879299}"/>
+              </a:ext>
+            </a:extLst>
+          </p:cNvPr>
+          <p:cNvSpPr/>
+          <p:nvPr/>
+        </p:nvSpPr>
+        <p:spPr>
+          <a:xfrm>
+            <a:off x="3753892" y="5912427"/>
+            <a:ext cx="4538743" cy="369332"/>
+          </a:xfrm>
+          <a:prstGeom prst="rect">
+            <a:avLst/>
+          </a:prstGeom>
+        </p:spPr>
+        <p:txBody>
+          <a:bodyPr wrap="none">
+            <a:spAutoFit/>
+          </a:bodyPr>
+          <a:lstStyle/>
+          <a:p>
+            <a:r>
+              <a:rPr lang="en-US" dirty="0">
+                <a:hlinkClick r:id="rId3"/>
+              </a:rPr>
+              <a:t>https://github.com/SychevIgor/pronet_docker</a:t>
+            </a:r>
+            <a:endParaRPr lang="en-US" dirty="0"/>
+          </a:p>
+        </p:txBody>
+      </p:sp>
     </p:spTree>
     <p:extLst>
       <p:ext uri="{BB962C8B-B14F-4D97-AF65-F5344CB8AC3E}">
@@ -4032,7 +4059,308 @@
 </file>
 
 <file path=ppt/slides/slide16.xml><?xml version="1.0" encoding="utf-8"?>
-<p:sld xmlns:a="http://schemas.openxmlformats.org/drawingml/2006/main" xmlns:r="http://schemas.openxmlformats.org/officeDocument/2006/relationships" xmlns:p="http://schemas.openxmlformats.org/presentationml/2006/main" show="0">
+<p:sld xmlns:a="http://schemas.openxmlformats.org/drawingml/2006/main" xmlns:r="http://schemas.openxmlformats.org/officeDocument/2006/relationships" xmlns:p="http://schemas.openxmlformats.org/presentationml/2006/main">
+  <p:cSld>
+    <p:spTree>
+      <p:nvGrpSpPr>
+        <p:cNvPr id="1" name=""/>
+        <p:cNvGrpSpPr/>
+        <p:nvPr/>
+      </p:nvGrpSpPr>
+      <p:grpSpPr>
+        <a:xfrm>
+          <a:off x="0" y="0"/>
+          <a:ext cx="0" cy="0"/>
+          <a:chOff x="0" y="0"/>
+          <a:chExt cx="0" cy="0"/>
+        </a:xfrm>
+      </p:grpSpPr>
+      <p:sp>
+        <p:nvSpPr>
+          <p:cNvPr id="3" name="Title 2">
+            <a:extLst>
+              <a:ext uri="{FF2B5EF4-FFF2-40B4-BE49-F238E27FC236}">
+                <a16:creationId xmlns:a16="http://schemas.microsoft.com/office/drawing/2014/main" id="{486889E2-82D9-4AF4-ACF6-27C6B445DCA1}"/>
+              </a:ext>
+            </a:extLst>
+          </p:cNvPr>
+          <p:cNvSpPr>
+            <a:spLocks noGrp="1"/>
+          </p:cNvSpPr>
+          <p:nvPr>
+            <p:ph type="title"/>
+          </p:nvPr>
+        </p:nvSpPr>
+        <p:spPr/>
+        <p:txBody>
+          <a:bodyPr/>
+          <a:lstStyle/>
+          <a:p>
+            <a:r>
+              <a:rPr lang="en-US" dirty="0"/>
+              <a:t>Microservice Releases</a:t>
+            </a:r>
+          </a:p>
+        </p:txBody>
+      </p:sp>
+      <p:sp>
+        <p:nvSpPr>
+          <p:cNvPr id="4" name="Text Placeholder 3">
+            <a:extLst>
+              <a:ext uri="{FF2B5EF4-FFF2-40B4-BE49-F238E27FC236}">
+                <a16:creationId xmlns:a16="http://schemas.microsoft.com/office/drawing/2014/main" id="{E55BD7AD-367C-43FF-96E3-93827AA485A6}"/>
+              </a:ext>
+            </a:extLst>
+          </p:cNvPr>
+          <p:cNvSpPr>
+            <a:spLocks noGrp="1"/>
+          </p:cNvSpPr>
+          <p:nvPr>
+            <p:ph type="body" sz="quarter" idx="13"/>
+          </p:nvPr>
+        </p:nvSpPr>
+        <p:spPr>
+          <a:xfrm>
+            <a:off x="301752" y="1143000"/>
+            <a:ext cx="5517157" cy="4956048"/>
+          </a:xfrm>
+        </p:spPr>
+        <p:txBody>
+          <a:bodyPr/>
+          <a:lstStyle/>
+          <a:p>
+            <a:r>
+              <a:rPr lang="en-US" dirty="0"/>
+              <a:t>Each Microservice independently releasing</a:t>
+            </a:r>
+          </a:p>
+        </p:txBody>
+      </p:sp>
+      <p:pic>
+        <p:nvPicPr>
+          <p:cNvPr id="5" name="Picture 4">
+            <a:extLst>
+              <a:ext uri="{FF2B5EF4-FFF2-40B4-BE49-F238E27FC236}">
+                <a16:creationId xmlns:a16="http://schemas.microsoft.com/office/drawing/2014/main" id="{121AFE16-FD67-4033-8187-30F94DAD299F}"/>
+              </a:ext>
+            </a:extLst>
+          </p:cNvPr>
+          <p:cNvPicPr>
+            <a:picLocks noChangeAspect="1"/>
+          </p:cNvPicPr>
+          <p:nvPr/>
+        </p:nvPicPr>
+        <p:blipFill>
+          <a:blip r:embed="rId2"/>
+          <a:stretch>
+            <a:fillRect/>
+          </a:stretch>
+        </p:blipFill>
+        <p:spPr>
+          <a:xfrm>
+            <a:off x="301752" y="1828800"/>
+            <a:ext cx="3176155" cy="3410967"/>
+          </a:xfrm>
+          <a:prstGeom prst="rect">
+            <a:avLst/>
+          </a:prstGeom>
+        </p:spPr>
+      </p:pic>
+      <p:pic>
+        <p:nvPicPr>
+          <p:cNvPr id="6" name="Picture 5">
+            <a:extLst>
+              <a:ext uri="{FF2B5EF4-FFF2-40B4-BE49-F238E27FC236}">
+                <a16:creationId xmlns:a16="http://schemas.microsoft.com/office/drawing/2014/main" id="{45F8849A-7474-4353-BD27-B2EB81EAC06E}"/>
+              </a:ext>
+            </a:extLst>
+          </p:cNvPr>
+          <p:cNvPicPr>
+            <a:picLocks noChangeAspect="1"/>
+          </p:cNvPicPr>
+          <p:nvPr/>
+        </p:nvPicPr>
+        <p:blipFill>
+          <a:blip r:embed="rId3"/>
+          <a:stretch>
+            <a:fillRect/>
+          </a:stretch>
+        </p:blipFill>
+        <p:spPr>
+          <a:xfrm>
+            <a:off x="2084145" y="1828800"/>
+            <a:ext cx="4457188" cy="2873294"/>
+          </a:xfrm>
+          <a:prstGeom prst="rect">
+            <a:avLst/>
+          </a:prstGeom>
+        </p:spPr>
+      </p:pic>
+      <p:pic>
+        <p:nvPicPr>
+          <p:cNvPr id="7" name="Picture 6">
+            <a:extLst>
+              <a:ext uri="{FF2B5EF4-FFF2-40B4-BE49-F238E27FC236}">
+                <a16:creationId xmlns:a16="http://schemas.microsoft.com/office/drawing/2014/main" id="{6A0EF4D1-4CF9-4267-9C52-A01B090B70EB}"/>
+              </a:ext>
+            </a:extLst>
+          </p:cNvPr>
+          <p:cNvPicPr>
+            <a:picLocks noChangeAspect="1"/>
+          </p:cNvPicPr>
+          <p:nvPr/>
+        </p:nvPicPr>
+        <p:blipFill>
+          <a:blip r:embed="rId4"/>
+          <a:stretch>
+            <a:fillRect/>
+          </a:stretch>
+        </p:blipFill>
+        <p:spPr>
+          <a:xfrm>
+            <a:off x="4294309" y="1784986"/>
+            <a:ext cx="7426636" cy="4314062"/>
+          </a:xfrm>
+          <a:prstGeom prst="rect">
+            <a:avLst/>
+          </a:prstGeom>
+        </p:spPr>
+      </p:pic>
+    </p:spTree>
+    <p:extLst>
+      <p:ext uri="{BB962C8B-B14F-4D97-AF65-F5344CB8AC3E}">
+        <p14:creationId xmlns:p14="http://schemas.microsoft.com/office/powerpoint/2010/main" val="925546507"/>
+      </p:ext>
+    </p:extLst>
+  </p:cSld>
+  <p:clrMapOvr>
+    <a:masterClrMapping/>
+  </p:clrMapOvr>
+  <p:timing>
+    <p:tnLst>
+      <p:par>
+        <p:cTn id="1" dur="indefinite" restart="never" nodeType="tmRoot">
+          <p:childTnLst>
+            <p:seq concurrent="1" nextAc="seek">
+              <p:cTn id="2" dur="indefinite" nodeType="mainSeq">
+                <p:childTnLst>
+                  <p:par>
+                    <p:cTn id="3" fill="hold">
+                      <p:stCondLst>
+                        <p:cond delay="indefinite"/>
+                      </p:stCondLst>
+                      <p:childTnLst>
+                        <p:par>
+                          <p:cTn id="4" fill="hold">
+                            <p:stCondLst>
+                              <p:cond delay="0"/>
+                            </p:stCondLst>
+                            <p:childTnLst>
+                              <p:par>
+                                <p:cTn id="5" presetID="1" presetClass="entr" presetSubtype="0" fill="hold" nodeType="clickEffect">
+                                  <p:stCondLst>
+                                    <p:cond delay="0"/>
+                                  </p:stCondLst>
+                                  <p:childTnLst>
+                                    <p:set>
+                                      <p:cBhvr>
+                                        <p:cTn id="6" dur="1" fill="hold">
+                                          <p:stCondLst>
+                                            <p:cond delay="0"/>
+                                          </p:stCondLst>
+                                        </p:cTn>
+                                        <p:tgtEl>
+                                          <p:spTgt spid="6"/>
+                                        </p:tgtEl>
+                                        <p:attrNameLst>
+                                          <p:attrName>style.visibility</p:attrName>
+                                        </p:attrNameLst>
+                                      </p:cBhvr>
+                                      <p:to>
+                                        <p:strVal val="visible"/>
+                                      </p:to>
+                                    </p:set>
+                                  </p:childTnLst>
+                                </p:cTn>
+                              </p:par>
+                            </p:childTnLst>
+                          </p:cTn>
+                        </p:par>
+                      </p:childTnLst>
+                    </p:cTn>
+                  </p:par>
+                  <p:par>
+                    <p:cTn id="7" fill="hold">
+                      <p:stCondLst>
+                        <p:cond delay="indefinite"/>
+                      </p:stCondLst>
+                      <p:childTnLst>
+                        <p:par>
+                          <p:cTn id="8" fill="hold">
+                            <p:stCondLst>
+                              <p:cond delay="0"/>
+                            </p:stCondLst>
+                            <p:childTnLst>
+                              <p:par>
+                                <p:cTn id="9" presetID="1" presetClass="entr" presetSubtype="0" fill="hold" nodeType="clickEffect">
+                                  <p:stCondLst>
+                                    <p:cond delay="0"/>
+                                  </p:stCondLst>
+                                  <p:childTnLst>
+                                    <p:set>
+                                      <p:cBhvr>
+                                        <p:cTn id="10" dur="1" fill="hold">
+                                          <p:stCondLst>
+                                            <p:cond delay="0"/>
+                                          </p:stCondLst>
+                                        </p:cTn>
+                                        <p:tgtEl>
+                                          <p:spTgt spid="7"/>
+                                        </p:tgtEl>
+                                        <p:attrNameLst>
+                                          <p:attrName>style.visibility</p:attrName>
+                                        </p:attrNameLst>
+                                      </p:cBhvr>
+                                      <p:to>
+                                        <p:strVal val="visible"/>
+                                      </p:to>
+                                    </p:set>
+                                  </p:childTnLst>
+                                </p:cTn>
+                              </p:par>
+                            </p:childTnLst>
+                          </p:cTn>
+                        </p:par>
+                      </p:childTnLst>
+                    </p:cTn>
+                  </p:par>
+                </p:childTnLst>
+              </p:cTn>
+              <p:prevCondLst>
+                <p:cond evt="onPrev" delay="0">
+                  <p:tgtEl>
+                    <p:sldTgt/>
+                  </p:tgtEl>
+                </p:cond>
+              </p:prevCondLst>
+              <p:nextCondLst>
+                <p:cond evt="onNext" delay="0">
+                  <p:tgtEl>
+                    <p:sldTgt/>
+                  </p:tgtEl>
+                </p:cond>
+              </p:nextCondLst>
+            </p:seq>
+          </p:childTnLst>
+        </p:cTn>
+      </p:par>
+    </p:tnLst>
+  </p:timing>
+</p:sld>
+</file>
+
+<file path=ppt/slides/slide17.xml><?xml version="1.0" encoding="utf-8"?>
+<p:sld xmlns:a="http://schemas.openxmlformats.org/drawingml/2006/main" xmlns:r="http://schemas.openxmlformats.org/officeDocument/2006/relationships" xmlns:p="http://schemas.openxmlformats.org/presentationml/2006/main">
   <p:cSld>
     <p:spTree>
       <p:nvGrpSpPr>
@@ -4053,7 +4381,7 @@
           <p:cNvPr id="2" name="Title 1">
             <a:extLst>
               <a:ext uri="{FF2B5EF4-FFF2-40B4-BE49-F238E27FC236}">
-                <a16:creationId xmlns:a16="http://schemas.microsoft.com/office/drawing/2014/main" id="{85BF373D-EFA3-422E-ABC3-BA979C6B05A1}"/>
+                <a16:creationId xmlns:a16="http://schemas.microsoft.com/office/drawing/2014/main" id="{E8A76024-B55B-4B69-8D5C-33C464D6E5C1}"/>
               </a:ext>
             </a:extLst>
           </p:cNvPr>
@@ -4071,146 +4399,311 @@
           <a:p>
             <a:r>
               <a:rPr lang="en-US" dirty="0"/>
-              <a:t>Pre/Post Deployment Approvers</a:t>
+              <a:t>Quality Gates (temporary pause)</a:t>
             </a:r>
           </a:p>
         </p:txBody>
       </p:sp>
-      <p:sp>
-        <p:nvSpPr>
-          <p:cNvPr id="3" name="Text Placeholder 2">
-            <a:extLst>
-              <a:ext uri="{FF2B5EF4-FFF2-40B4-BE49-F238E27FC236}">
-                <a16:creationId xmlns:a16="http://schemas.microsoft.com/office/drawing/2014/main" id="{5A3AA17C-A84D-419D-851E-586A575C6C62}"/>
-              </a:ext>
-            </a:extLst>
-          </p:cNvPr>
-          <p:cNvSpPr>
-            <a:spLocks noGrp="1"/>
-          </p:cNvSpPr>
-          <p:nvPr>
-            <p:ph type="body" sz="quarter" idx="13"/>
-          </p:nvPr>
-        </p:nvSpPr>
-        <p:spPr/>
-        <p:txBody>
-          <a:bodyPr/>
-          <a:lstStyle/>
-          <a:p>
-            <a:endParaRPr lang="en-US"/>
-          </a:p>
-        </p:txBody>
-      </p:sp>
+      <p:pic>
+        <p:nvPicPr>
+          <p:cNvPr id="4" name="Picture 3">
+            <a:extLst>
+              <a:ext uri="{FF2B5EF4-FFF2-40B4-BE49-F238E27FC236}">
+                <a16:creationId xmlns:a16="http://schemas.microsoft.com/office/drawing/2014/main" id="{1E0AD22F-84F2-43D1-B5BD-8AF1286C3309}"/>
+              </a:ext>
+            </a:extLst>
+          </p:cNvPr>
+          <p:cNvPicPr/>
+          <p:nvPr/>
+        </p:nvPicPr>
+        <p:blipFill>
+          <a:blip r:embed="rId2">
+            <a:extLst>
+              <a:ext uri="{28A0092B-C50C-407E-A947-70E740481C1C}">
+                <a14:useLocalDpi xmlns:a14="http://schemas.microsoft.com/office/drawing/2010/main" val="0"/>
+              </a:ext>
+            </a:extLst>
+          </a:blip>
+          <a:srcRect/>
+          <a:stretch>
+            <a:fillRect/>
+          </a:stretch>
+        </p:blipFill>
+        <p:spPr bwMode="auto">
+          <a:xfrm>
+            <a:off x="301752" y="1228552"/>
+            <a:ext cx="4215130" cy="3299460"/>
+          </a:xfrm>
+          <a:prstGeom prst="rect">
+            <a:avLst/>
+          </a:prstGeom>
+          <a:noFill/>
+          <a:ln>
+            <a:noFill/>
+          </a:ln>
+        </p:spPr>
+      </p:pic>
+      <p:pic>
+        <p:nvPicPr>
+          <p:cNvPr id="5" name="Picture 4">
+            <a:extLst>
+              <a:ext uri="{FF2B5EF4-FFF2-40B4-BE49-F238E27FC236}">
+                <a16:creationId xmlns:a16="http://schemas.microsoft.com/office/drawing/2014/main" id="{843B1F36-990A-424E-9027-8D1309E48EE0}"/>
+              </a:ext>
+            </a:extLst>
+          </p:cNvPr>
+          <p:cNvPicPr>
+            <a:picLocks noChangeAspect="1"/>
+          </p:cNvPicPr>
+          <p:nvPr/>
+        </p:nvPicPr>
+        <p:blipFill>
+          <a:blip r:embed="rId3"/>
+          <a:stretch>
+            <a:fillRect/>
+          </a:stretch>
+        </p:blipFill>
+        <p:spPr>
+          <a:xfrm>
+            <a:off x="2409317" y="1228552"/>
+            <a:ext cx="4610100" cy="4210050"/>
+          </a:xfrm>
+          <a:prstGeom prst="rect">
+            <a:avLst/>
+          </a:prstGeom>
+        </p:spPr>
+      </p:pic>
+      <p:pic>
+        <p:nvPicPr>
+          <p:cNvPr id="6" name="Picture 5">
+            <a:extLst>
+              <a:ext uri="{FF2B5EF4-FFF2-40B4-BE49-F238E27FC236}">
+                <a16:creationId xmlns:a16="http://schemas.microsoft.com/office/drawing/2014/main" id="{EF075236-AE14-49B4-A82A-8A70B8F9A3AF}"/>
+              </a:ext>
+            </a:extLst>
+          </p:cNvPr>
+          <p:cNvPicPr/>
+          <p:nvPr/>
+        </p:nvPicPr>
+        <p:blipFill>
+          <a:blip r:embed="rId4"/>
+          <a:stretch>
+            <a:fillRect/>
+          </a:stretch>
+        </p:blipFill>
+        <p:spPr>
+          <a:xfrm>
+            <a:off x="4714367" y="1176597"/>
+            <a:ext cx="4038600" cy="4121150"/>
+          </a:xfrm>
+          <a:prstGeom prst="rect">
+            <a:avLst/>
+          </a:prstGeom>
+        </p:spPr>
+      </p:pic>
+      <p:pic>
+        <p:nvPicPr>
+          <p:cNvPr id="7" name="Picture 6">
+            <a:extLst>
+              <a:ext uri="{FF2B5EF4-FFF2-40B4-BE49-F238E27FC236}">
+                <a16:creationId xmlns:a16="http://schemas.microsoft.com/office/drawing/2014/main" id="{55B7F144-2165-44A8-9C4F-3C2B9838B366}"/>
+              </a:ext>
+            </a:extLst>
+          </p:cNvPr>
+          <p:cNvPicPr/>
+          <p:nvPr/>
+        </p:nvPicPr>
+        <p:blipFill>
+          <a:blip r:embed="rId5"/>
+          <a:stretch>
+            <a:fillRect/>
+          </a:stretch>
+        </p:blipFill>
+        <p:spPr>
+          <a:xfrm>
+            <a:off x="5877040" y="2133600"/>
+            <a:ext cx="5600700" cy="2590800"/>
+          </a:xfrm>
+          <a:prstGeom prst="rect">
+            <a:avLst/>
+          </a:prstGeom>
+        </p:spPr>
+      </p:pic>
     </p:spTree>
     <p:extLst>
       <p:ext uri="{BB962C8B-B14F-4D97-AF65-F5344CB8AC3E}">
-        <p14:creationId xmlns:p14="http://schemas.microsoft.com/office/powerpoint/2010/main" val="4172653558"/>
+        <p14:creationId xmlns:p14="http://schemas.microsoft.com/office/powerpoint/2010/main" val="1141163424"/>
       </p:ext>
     </p:extLst>
   </p:cSld>
   <p:clrMapOvr>
     <a:masterClrMapping/>
   </p:clrMapOvr>
-</p:sld>
-</file>
-
-<file path=ppt/slides/slide17.xml><?xml version="1.0" encoding="utf-8"?>
-<p:sld xmlns:a="http://schemas.openxmlformats.org/drawingml/2006/main" xmlns:r="http://schemas.openxmlformats.org/officeDocument/2006/relationships" xmlns:p="http://schemas.openxmlformats.org/presentationml/2006/main" show="0">
-  <p:cSld>
-    <p:spTree>
-      <p:nvGrpSpPr>
-        <p:cNvPr id="1" name=""/>
-        <p:cNvGrpSpPr/>
-        <p:nvPr/>
-      </p:nvGrpSpPr>
-      <p:grpSpPr>
-        <a:xfrm>
-          <a:off x="0" y="0"/>
-          <a:ext cx="0" cy="0"/>
-          <a:chOff x="0" y="0"/>
-          <a:chExt cx="0" cy="0"/>
-        </a:xfrm>
-      </p:grpSpPr>
-      <p:sp>
-        <p:nvSpPr>
-          <p:cNvPr id="2" name="Title 1">
-            <a:extLst>
-              <a:ext uri="{FF2B5EF4-FFF2-40B4-BE49-F238E27FC236}">
-                <a16:creationId xmlns:a16="http://schemas.microsoft.com/office/drawing/2014/main" id="{479152C6-BAE4-4883-A72B-446CB79792AB}"/>
-              </a:ext>
-            </a:extLst>
-          </p:cNvPr>
-          <p:cNvSpPr>
-            <a:spLocks noGrp="1"/>
-          </p:cNvSpPr>
-          <p:nvPr>
-            <p:ph type="title"/>
-          </p:nvPr>
-        </p:nvSpPr>
-        <p:spPr/>
-        <p:txBody>
-          <a:bodyPr>
-            <a:normAutofit fontScale="90000"/>
-          </a:bodyPr>
-          <a:lstStyle/>
-          <a:p>
-            <a:r>
-              <a:rPr lang="en-US" dirty="0"/>
-              <a:t>Gated deployment using queries to </a:t>
-            </a:r>
-            <a:r>
-              <a:rPr lang="en-US" dirty="0" err="1"/>
-              <a:t>AppInsigths</a:t>
-            </a:r>
-            <a:r>
-              <a:rPr lang="en-US" dirty="0"/>
-              <a:t>/Log Analytics</a:t>
-            </a:r>
-          </a:p>
-        </p:txBody>
-      </p:sp>
-      <p:sp>
-        <p:nvSpPr>
-          <p:cNvPr id="3" name="Text Placeholder 2">
-            <a:extLst>
-              <a:ext uri="{FF2B5EF4-FFF2-40B4-BE49-F238E27FC236}">
-                <a16:creationId xmlns:a16="http://schemas.microsoft.com/office/drawing/2014/main" id="{328131F6-E859-415F-A625-CAA9817349F6}"/>
-              </a:ext>
-            </a:extLst>
-          </p:cNvPr>
-          <p:cNvSpPr>
-            <a:spLocks noGrp="1"/>
-          </p:cNvSpPr>
-          <p:nvPr>
-            <p:ph type="body" sz="quarter" idx="13"/>
-          </p:nvPr>
-        </p:nvSpPr>
-        <p:spPr/>
-        <p:txBody>
-          <a:bodyPr/>
-          <a:lstStyle/>
-          <a:p>
-            <a:r>
-              <a:rPr lang="en-US" dirty="0">
-                <a:highlight>
-                  <a:srgbClr val="FFFF00"/>
-                </a:highlight>
-              </a:rPr>
-              <a:t>TO Be planned</a:t>
-            </a:r>
-          </a:p>
-        </p:txBody>
-      </p:sp>
-    </p:spTree>
-    <p:extLst>
-      <p:ext uri="{BB962C8B-B14F-4D97-AF65-F5344CB8AC3E}">
-        <p14:creationId xmlns:p14="http://schemas.microsoft.com/office/powerpoint/2010/main" val="621017688"/>
-      </p:ext>
-    </p:extLst>
-  </p:cSld>
-  <p:clrMapOvr>
-    <a:masterClrMapping/>
-  </p:clrMapOvr>
+  <p:timing>
+    <p:tnLst>
+      <p:par>
+        <p:cTn id="1" dur="indefinite" restart="never" nodeType="tmRoot">
+          <p:childTnLst>
+            <p:seq concurrent="1" nextAc="seek">
+              <p:cTn id="2" dur="indefinite" nodeType="mainSeq">
+                <p:childTnLst>
+                  <p:par>
+                    <p:cTn id="3" fill="hold">
+                      <p:stCondLst>
+                        <p:cond delay="indefinite"/>
+                      </p:stCondLst>
+                      <p:childTnLst>
+                        <p:par>
+                          <p:cTn id="4" fill="hold">
+                            <p:stCondLst>
+                              <p:cond delay="0"/>
+                            </p:stCondLst>
+                            <p:childTnLst>
+                              <p:par>
+                                <p:cTn id="5" presetID="1" presetClass="entr" presetSubtype="0" fill="hold" nodeType="clickEffect">
+                                  <p:stCondLst>
+                                    <p:cond delay="0"/>
+                                  </p:stCondLst>
+                                  <p:childTnLst>
+                                    <p:set>
+                                      <p:cBhvr>
+                                        <p:cTn id="6" dur="1" fill="hold">
+                                          <p:stCondLst>
+                                            <p:cond delay="0"/>
+                                          </p:stCondLst>
+                                        </p:cTn>
+                                        <p:tgtEl>
+                                          <p:spTgt spid="5"/>
+                                        </p:tgtEl>
+                                        <p:attrNameLst>
+                                          <p:attrName>style.visibility</p:attrName>
+                                        </p:attrNameLst>
+                                      </p:cBhvr>
+                                      <p:to>
+                                        <p:strVal val="visible"/>
+                                      </p:to>
+                                    </p:set>
+                                  </p:childTnLst>
+                                </p:cTn>
+                              </p:par>
+                            </p:childTnLst>
+                          </p:cTn>
+                        </p:par>
+                      </p:childTnLst>
+                    </p:cTn>
+                  </p:par>
+                  <p:par>
+                    <p:cTn id="7" fill="hold">
+                      <p:stCondLst>
+                        <p:cond delay="indefinite"/>
+                      </p:stCondLst>
+                      <p:childTnLst>
+                        <p:par>
+                          <p:cTn id="8" fill="hold">
+                            <p:stCondLst>
+                              <p:cond delay="0"/>
+                            </p:stCondLst>
+                            <p:childTnLst>
+                              <p:par>
+                                <p:cTn id="9" presetID="1" presetClass="entr" presetSubtype="0" fill="hold" nodeType="clickEffect">
+                                  <p:stCondLst>
+                                    <p:cond delay="0"/>
+                                  </p:stCondLst>
+                                  <p:childTnLst>
+                                    <p:set>
+                                      <p:cBhvr>
+                                        <p:cTn id="10" dur="1" fill="hold">
+                                          <p:stCondLst>
+                                            <p:cond delay="0"/>
+                                          </p:stCondLst>
+                                        </p:cTn>
+                                        <p:tgtEl>
+                                          <p:spTgt spid="6"/>
+                                        </p:tgtEl>
+                                        <p:attrNameLst>
+                                          <p:attrName>style.visibility</p:attrName>
+                                        </p:attrNameLst>
+                                      </p:cBhvr>
+                                      <p:to>
+                                        <p:strVal val="visible"/>
+                                      </p:to>
+                                    </p:set>
+                                  </p:childTnLst>
+                                </p:cTn>
+                              </p:par>
+                            </p:childTnLst>
+                          </p:cTn>
+                        </p:par>
+                      </p:childTnLst>
+                    </p:cTn>
+                  </p:par>
+                  <p:par>
+                    <p:cTn id="11" fill="hold">
+                      <p:stCondLst>
+                        <p:cond delay="indefinite"/>
+                      </p:stCondLst>
+                      <p:childTnLst>
+                        <p:par>
+                          <p:cTn id="12" fill="hold">
+                            <p:stCondLst>
+                              <p:cond delay="0"/>
+                            </p:stCondLst>
+                            <p:childTnLst>
+                              <p:par>
+                                <p:cTn id="13" presetID="1" presetClass="entr" presetSubtype="0" fill="hold" nodeType="clickEffect">
+                                  <p:stCondLst>
+                                    <p:cond delay="0"/>
+                                  </p:stCondLst>
+                                  <p:childTnLst>
+                                    <p:set>
+                                      <p:cBhvr>
+                                        <p:cTn id="14" dur="1" fill="hold">
+                                          <p:stCondLst>
+                                            <p:cond delay="0"/>
+                                          </p:stCondLst>
+                                        </p:cTn>
+                                        <p:tgtEl>
+                                          <p:spTgt spid="7"/>
+                                        </p:tgtEl>
+                                        <p:attrNameLst>
+                                          <p:attrName>style.visibility</p:attrName>
+                                        </p:attrNameLst>
+                                      </p:cBhvr>
+                                      <p:to>
+                                        <p:strVal val="visible"/>
+                                      </p:to>
+                                    </p:set>
+                                  </p:childTnLst>
+                                </p:cTn>
+                              </p:par>
+                            </p:childTnLst>
+                          </p:cTn>
+                        </p:par>
+                      </p:childTnLst>
+                    </p:cTn>
+                  </p:par>
+                </p:childTnLst>
+              </p:cTn>
+              <p:prevCondLst>
+                <p:cond evt="onPrev" delay="0">
+                  <p:tgtEl>
+                    <p:sldTgt/>
+                  </p:tgtEl>
+                </p:cond>
+              </p:prevCondLst>
+              <p:nextCondLst>
+                <p:cond evt="onNext" delay="0">
+                  <p:tgtEl>
+                    <p:sldTgt/>
+                  </p:tgtEl>
+                </p:cond>
+              </p:nextCondLst>
+            </p:seq>
+          </p:childTnLst>
+        </p:cTn>
+      </p:par>
+    </p:tnLst>
+  </p:timing>
 </p:sld>
 </file>
 
@@ -4233,6 +4726,270 @@
       </p:grpSpPr>
       <p:sp>
         <p:nvSpPr>
+          <p:cNvPr id="2" name="Title 1">
+            <a:extLst>
+              <a:ext uri="{FF2B5EF4-FFF2-40B4-BE49-F238E27FC236}">
+                <a16:creationId xmlns:a16="http://schemas.microsoft.com/office/drawing/2014/main" id="{2347408D-C5A7-461F-A01B-DB5157D66151}"/>
+              </a:ext>
+            </a:extLst>
+          </p:cNvPr>
+          <p:cNvSpPr>
+            <a:spLocks noGrp="1"/>
+          </p:cNvSpPr>
+          <p:nvPr>
+            <p:ph type="title"/>
+          </p:nvPr>
+        </p:nvSpPr>
+        <p:spPr/>
+        <p:txBody>
+          <a:bodyPr/>
+          <a:lstStyle/>
+          <a:p>
+            <a:r>
+              <a:rPr lang="en-US" dirty="0"/>
+              <a:t>Quality Gates (temporary pause) 2</a:t>
+            </a:r>
+          </a:p>
+        </p:txBody>
+      </p:sp>
+      <p:pic>
+        <p:nvPicPr>
+          <p:cNvPr id="4" name="Picture 3">
+            <a:extLst>
+              <a:ext uri="{FF2B5EF4-FFF2-40B4-BE49-F238E27FC236}">
+                <a16:creationId xmlns:a16="http://schemas.microsoft.com/office/drawing/2014/main" id="{7A069AAB-199D-4637-8957-4326CBEF4FAD}"/>
+              </a:ext>
+            </a:extLst>
+          </p:cNvPr>
+          <p:cNvPicPr/>
+          <p:nvPr/>
+        </p:nvPicPr>
+        <p:blipFill>
+          <a:blip r:embed="rId2"/>
+          <a:stretch>
+            <a:fillRect/>
+          </a:stretch>
+        </p:blipFill>
+        <p:spPr>
+          <a:xfrm>
+            <a:off x="301751" y="987553"/>
+            <a:ext cx="5330121" cy="4322202"/>
+          </a:xfrm>
+          <a:prstGeom prst="rect">
+            <a:avLst/>
+          </a:prstGeom>
+        </p:spPr>
+      </p:pic>
+      <p:pic>
+        <p:nvPicPr>
+          <p:cNvPr id="6" name="Picture 5">
+            <a:extLst>
+              <a:ext uri="{FF2B5EF4-FFF2-40B4-BE49-F238E27FC236}">
+                <a16:creationId xmlns:a16="http://schemas.microsoft.com/office/drawing/2014/main" id="{1F88FB75-9A37-4C72-965E-6D53070F4464}"/>
+              </a:ext>
+            </a:extLst>
+          </p:cNvPr>
+          <p:cNvPicPr/>
+          <p:nvPr/>
+        </p:nvPicPr>
+        <p:blipFill>
+          <a:blip r:embed="rId3"/>
+          <a:stretch>
+            <a:fillRect/>
+          </a:stretch>
+        </p:blipFill>
+        <p:spPr>
+          <a:xfrm>
+            <a:off x="1357745" y="1008543"/>
+            <a:ext cx="9511146" cy="4861904"/>
+          </a:xfrm>
+          <a:prstGeom prst="rect">
+            <a:avLst/>
+          </a:prstGeom>
+        </p:spPr>
+      </p:pic>
+      <p:pic>
+        <p:nvPicPr>
+          <p:cNvPr id="5" name="Picture 4">
+            <a:extLst>
+              <a:ext uri="{FF2B5EF4-FFF2-40B4-BE49-F238E27FC236}">
+                <a16:creationId xmlns:a16="http://schemas.microsoft.com/office/drawing/2014/main" id="{1ED0C3D4-0D47-4BBF-9035-65036C787F87}"/>
+              </a:ext>
+            </a:extLst>
+          </p:cNvPr>
+          <p:cNvPicPr>
+            <a:picLocks noChangeAspect="1"/>
+          </p:cNvPicPr>
+          <p:nvPr/>
+        </p:nvPicPr>
+        <p:blipFill>
+          <a:blip r:embed="rId4"/>
+          <a:stretch>
+            <a:fillRect/>
+          </a:stretch>
+        </p:blipFill>
+        <p:spPr>
+          <a:xfrm>
+            <a:off x="5709892" y="987553"/>
+            <a:ext cx="6180356" cy="2819644"/>
+          </a:xfrm>
+          <a:prstGeom prst="rect">
+            <a:avLst/>
+          </a:prstGeom>
+        </p:spPr>
+      </p:pic>
+    </p:spTree>
+    <p:extLst>
+      <p:ext uri="{BB962C8B-B14F-4D97-AF65-F5344CB8AC3E}">
+        <p14:creationId xmlns:p14="http://schemas.microsoft.com/office/powerpoint/2010/main" val="4176253633"/>
+      </p:ext>
+    </p:extLst>
+  </p:cSld>
+  <p:clrMapOvr>
+    <a:masterClrMapping/>
+  </p:clrMapOvr>
+  <p:timing>
+    <p:tnLst>
+      <p:par>
+        <p:cTn id="1" dur="indefinite" restart="never" nodeType="tmRoot">
+          <p:childTnLst>
+            <p:seq concurrent="1" nextAc="seek">
+              <p:cTn id="2" dur="indefinite" nodeType="mainSeq">
+                <p:childTnLst>
+                  <p:par>
+                    <p:cTn id="3" fill="hold">
+                      <p:stCondLst>
+                        <p:cond delay="indefinite"/>
+                      </p:stCondLst>
+                      <p:childTnLst>
+                        <p:par>
+                          <p:cTn id="4" fill="hold">
+                            <p:stCondLst>
+                              <p:cond delay="0"/>
+                            </p:stCondLst>
+                            <p:childTnLst>
+                              <p:par>
+                                <p:cTn id="5" presetID="1" presetClass="entr" presetSubtype="0" fill="hold" nodeType="clickEffect">
+                                  <p:stCondLst>
+                                    <p:cond delay="0"/>
+                                  </p:stCondLst>
+                                  <p:childTnLst>
+                                    <p:set>
+                                      <p:cBhvr>
+                                        <p:cTn id="6" dur="1" fill="hold">
+                                          <p:stCondLst>
+                                            <p:cond delay="0"/>
+                                          </p:stCondLst>
+                                        </p:cTn>
+                                        <p:tgtEl>
+                                          <p:spTgt spid="6"/>
+                                        </p:tgtEl>
+                                        <p:attrNameLst>
+                                          <p:attrName>style.visibility</p:attrName>
+                                        </p:attrNameLst>
+                                      </p:cBhvr>
+                                      <p:to>
+                                        <p:strVal val="visible"/>
+                                      </p:to>
+                                    </p:set>
+                                  </p:childTnLst>
+                                </p:cTn>
+                              </p:par>
+                            </p:childTnLst>
+                          </p:cTn>
+                        </p:par>
+                      </p:childTnLst>
+                    </p:cTn>
+                  </p:par>
+                  <p:par>
+                    <p:cTn id="7" fill="hold">
+                      <p:stCondLst>
+                        <p:cond delay="indefinite"/>
+                      </p:stCondLst>
+                      <p:childTnLst>
+                        <p:par>
+                          <p:cTn id="8" fill="hold">
+                            <p:stCondLst>
+                              <p:cond delay="0"/>
+                            </p:stCondLst>
+                            <p:childTnLst>
+                              <p:par>
+                                <p:cTn id="9" presetID="1" presetClass="entr" presetSubtype="0" fill="hold" nodeType="clickEffect">
+                                  <p:stCondLst>
+                                    <p:cond delay="0"/>
+                                  </p:stCondLst>
+                                  <p:childTnLst>
+                                    <p:set>
+                                      <p:cBhvr>
+                                        <p:cTn id="10" dur="1" fill="hold">
+                                          <p:stCondLst>
+                                            <p:cond delay="0"/>
+                                          </p:stCondLst>
+                                        </p:cTn>
+                                        <p:tgtEl>
+                                          <p:spTgt spid="5"/>
+                                        </p:tgtEl>
+                                        <p:attrNameLst>
+                                          <p:attrName>style.visibility</p:attrName>
+                                        </p:attrNameLst>
+                                      </p:cBhvr>
+                                      <p:to>
+                                        <p:strVal val="visible"/>
+                                      </p:to>
+                                    </p:set>
+                                  </p:childTnLst>
+                                </p:cTn>
+                              </p:par>
+                            </p:childTnLst>
+                          </p:cTn>
+                        </p:par>
+                      </p:childTnLst>
+                    </p:cTn>
+                  </p:par>
+                </p:childTnLst>
+              </p:cTn>
+              <p:prevCondLst>
+                <p:cond evt="onPrev" delay="0">
+                  <p:tgtEl>
+                    <p:sldTgt/>
+                  </p:tgtEl>
+                </p:cond>
+              </p:prevCondLst>
+              <p:nextCondLst>
+                <p:cond evt="onNext" delay="0">
+                  <p:tgtEl>
+                    <p:sldTgt/>
+                  </p:tgtEl>
+                </p:cond>
+              </p:nextCondLst>
+            </p:seq>
+          </p:childTnLst>
+        </p:cTn>
+      </p:par>
+    </p:tnLst>
+  </p:timing>
+</p:sld>
+</file>
+
+<file path=ppt/slides/slide19.xml><?xml version="1.0" encoding="utf-8"?>
+<p:sld xmlns:a="http://schemas.openxmlformats.org/drawingml/2006/main" xmlns:r="http://schemas.openxmlformats.org/officeDocument/2006/relationships" xmlns:p="http://schemas.openxmlformats.org/presentationml/2006/main">
+  <p:cSld>
+    <p:spTree>
+      <p:nvGrpSpPr>
+        <p:cNvPr id="1" name=""/>
+        <p:cNvGrpSpPr/>
+        <p:nvPr/>
+      </p:nvGrpSpPr>
+      <p:grpSpPr>
+        <a:xfrm>
+          <a:off x="0" y="0"/>
+          <a:ext cx="0" cy="0"/>
+          <a:chOff x="0" y="0"/>
+          <a:chExt cx="0" cy="0"/>
+        </a:xfrm>
+      </p:grpSpPr>
+      <p:sp>
+        <p:nvSpPr>
           <p:cNvPr id="4" name="Text Placeholder 3">
             <a:extLst>
               <a:ext uri="{FF2B5EF4-FFF2-40B4-BE49-F238E27FC236}">
@@ -4272,7 +5029,90 @@
 </p:sld>
 </file>
 
-<file path=ppt/slides/slide19.xml><?xml version="1.0" encoding="utf-8"?>
+<file path=ppt/slides/slide2.xml><?xml version="1.0" encoding="utf-8"?>
+<p:sld xmlns:a="http://schemas.openxmlformats.org/drawingml/2006/main" xmlns:r="http://schemas.openxmlformats.org/officeDocument/2006/relationships" xmlns:p="http://schemas.openxmlformats.org/presentationml/2006/main" show="0">
+  <p:cSld>
+    <p:spTree>
+      <p:nvGrpSpPr>
+        <p:cNvPr id="1" name=""/>
+        <p:cNvGrpSpPr/>
+        <p:nvPr/>
+      </p:nvGrpSpPr>
+      <p:grpSpPr>
+        <a:xfrm>
+          <a:off x="0" y="0"/>
+          <a:ext cx="0" cy="0"/>
+          <a:chOff x="0" y="0"/>
+          <a:chExt cx="0" cy="0"/>
+        </a:xfrm>
+      </p:grpSpPr>
+      <p:sp>
+        <p:nvSpPr>
+          <p:cNvPr id="2" name="Title 1">
+            <a:extLst>
+              <a:ext uri="{FF2B5EF4-FFF2-40B4-BE49-F238E27FC236}">
+                <a16:creationId xmlns:a16="http://schemas.microsoft.com/office/drawing/2014/main" id="{056843D3-9877-4105-AEE1-18B82CB823AE}"/>
+              </a:ext>
+            </a:extLst>
+          </p:cNvPr>
+          <p:cNvSpPr>
+            <a:spLocks noGrp="1"/>
+          </p:cNvSpPr>
+          <p:nvPr>
+            <p:ph type="title"/>
+          </p:nvPr>
+        </p:nvSpPr>
+        <p:spPr/>
+        <p:txBody>
+          <a:bodyPr/>
+          <a:lstStyle/>
+          <a:p>
+            <a:r>
+              <a:rPr lang="en-US" dirty="0"/>
+              <a:t>Why DevOps if I’m not DevOps Engineer?</a:t>
+            </a:r>
+          </a:p>
+        </p:txBody>
+      </p:sp>
+      <p:sp>
+        <p:nvSpPr>
+          <p:cNvPr id="3" name="Text Placeholder 2">
+            <a:extLst>
+              <a:ext uri="{FF2B5EF4-FFF2-40B4-BE49-F238E27FC236}">
+                <a16:creationId xmlns:a16="http://schemas.microsoft.com/office/drawing/2014/main" id="{C0225B84-948F-4D4A-B76D-4971F96691B8}"/>
+              </a:ext>
+            </a:extLst>
+          </p:cNvPr>
+          <p:cNvSpPr>
+            <a:spLocks noGrp="1"/>
+          </p:cNvSpPr>
+          <p:nvPr>
+            <p:ph type="body" sz="quarter" idx="13"/>
+          </p:nvPr>
+        </p:nvSpPr>
+        <p:spPr/>
+        <p:txBody>
+          <a:bodyPr/>
+          <a:lstStyle/>
+          <a:p>
+            <a:endParaRPr lang="en-US" dirty="0"/>
+          </a:p>
+        </p:txBody>
+      </p:sp>
+    </p:spTree>
+    <p:extLst>
+      <p:ext uri="{BB962C8B-B14F-4D97-AF65-F5344CB8AC3E}">
+        <p14:creationId xmlns:p14="http://schemas.microsoft.com/office/powerpoint/2010/main" val="1379171305"/>
+      </p:ext>
+    </p:extLst>
+  </p:cSld>
+  <p:clrMapOvr>
+    <a:masterClrMapping/>
+  </p:clrMapOvr>
+</p:sld>
+</file>
+
+<file path=ppt/slides/slide20.xml><?xml version="1.0" encoding="utf-8"?>
 <p:sld xmlns:a="http://schemas.openxmlformats.org/drawingml/2006/main" xmlns:r="http://schemas.openxmlformats.org/officeDocument/2006/relationships" xmlns:p="http://schemas.openxmlformats.org/presentationml/2006/main">
   <p:cSld>
     <p:spTree>
@@ -4538,90 +5378,7 @@
 </p:sld>
 </file>
 
-<file path=ppt/slides/slide2.xml><?xml version="1.0" encoding="utf-8"?>
-<p:sld xmlns:a="http://schemas.openxmlformats.org/drawingml/2006/main" xmlns:r="http://schemas.openxmlformats.org/officeDocument/2006/relationships" xmlns:p="http://schemas.openxmlformats.org/presentationml/2006/main" show="0">
-  <p:cSld>
-    <p:spTree>
-      <p:nvGrpSpPr>
-        <p:cNvPr id="1" name=""/>
-        <p:cNvGrpSpPr/>
-        <p:nvPr/>
-      </p:nvGrpSpPr>
-      <p:grpSpPr>
-        <a:xfrm>
-          <a:off x="0" y="0"/>
-          <a:ext cx="0" cy="0"/>
-          <a:chOff x="0" y="0"/>
-          <a:chExt cx="0" cy="0"/>
-        </a:xfrm>
-      </p:grpSpPr>
-      <p:sp>
-        <p:nvSpPr>
-          <p:cNvPr id="2" name="Title 1">
-            <a:extLst>
-              <a:ext uri="{FF2B5EF4-FFF2-40B4-BE49-F238E27FC236}">
-                <a16:creationId xmlns:a16="http://schemas.microsoft.com/office/drawing/2014/main" id="{056843D3-9877-4105-AEE1-18B82CB823AE}"/>
-              </a:ext>
-            </a:extLst>
-          </p:cNvPr>
-          <p:cNvSpPr>
-            <a:spLocks noGrp="1"/>
-          </p:cNvSpPr>
-          <p:nvPr>
-            <p:ph type="title"/>
-          </p:nvPr>
-        </p:nvSpPr>
-        <p:spPr/>
-        <p:txBody>
-          <a:bodyPr/>
-          <a:lstStyle/>
-          <a:p>
-            <a:r>
-              <a:rPr lang="en-US" dirty="0"/>
-              <a:t>Why DevOps if I’m not DevOps Engineer?</a:t>
-            </a:r>
-          </a:p>
-        </p:txBody>
-      </p:sp>
-      <p:sp>
-        <p:nvSpPr>
-          <p:cNvPr id="3" name="Text Placeholder 2">
-            <a:extLst>
-              <a:ext uri="{FF2B5EF4-FFF2-40B4-BE49-F238E27FC236}">
-                <a16:creationId xmlns:a16="http://schemas.microsoft.com/office/drawing/2014/main" id="{C0225B84-948F-4D4A-B76D-4971F96691B8}"/>
-              </a:ext>
-            </a:extLst>
-          </p:cNvPr>
-          <p:cNvSpPr>
-            <a:spLocks noGrp="1"/>
-          </p:cNvSpPr>
-          <p:nvPr>
-            <p:ph type="body" sz="quarter" idx="13"/>
-          </p:nvPr>
-        </p:nvSpPr>
-        <p:spPr/>
-        <p:txBody>
-          <a:bodyPr/>
-          <a:lstStyle/>
-          <a:p>
-            <a:endParaRPr lang="en-US" dirty="0"/>
-          </a:p>
-        </p:txBody>
-      </p:sp>
-    </p:spTree>
-    <p:extLst>
-      <p:ext uri="{BB962C8B-B14F-4D97-AF65-F5344CB8AC3E}">
-        <p14:creationId xmlns:p14="http://schemas.microsoft.com/office/powerpoint/2010/main" val="1379171305"/>
-      </p:ext>
-    </p:extLst>
-  </p:cSld>
-  <p:clrMapOvr>
-    <a:masterClrMapping/>
-  </p:clrMapOvr>
-</p:sld>
-</file>
-
-<file path=ppt/slides/slide20.xml><?xml version="1.0" encoding="utf-8"?>
+<file path=ppt/slides/slide21.xml><?xml version="1.0" encoding="utf-8"?>
 <p:sld xmlns:a="http://schemas.openxmlformats.org/drawingml/2006/main" xmlns:r="http://schemas.openxmlformats.org/officeDocument/2006/relationships" xmlns:p="http://schemas.openxmlformats.org/presentationml/2006/main">
   <p:cSld>
     <p:spTree>
@@ -4981,7 +5738,7 @@
 </p:sld>
 </file>
 
-<file path=ppt/slides/slide21.xml><?xml version="1.0" encoding="utf-8"?>
+<file path=ppt/slides/slide22.xml><?xml version="1.0" encoding="utf-8"?>
 <p:sld xmlns:a="http://schemas.openxmlformats.org/drawingml/2006/main" xmlns:r="http://schemas.openxmlformats.org/officeDocument/2006/relationships" xmlns:p="http://schemas.openxmlformats.org/presentationml/2006/main">
   <p:cSld>
     <p:spTree>
@@ -5039,7 +5796,7 @@
 </p:sld>
 </file>
 
-<file path=ppt/slides/slide22.xml><?xml version="1.0" encoding="utf-8"?>
+<file path=ppt/slides/slide23.xml><?xml version="1.0" encoding="utf-8"?>
 <p:sld xmlns:a="http://schemas.openxmlformats.org/drawingml/2006/main" xmlns:r="http://schemas.openxmlformats.org/officeDocument/2006/relationships" xmlns:p="http://schemas.openxmlformats.org/presentationml/2006/main">
   <p:cSld>
     <p:spTree>
@@ -5179,6 +5936,17 @@
             <a:r>
               <a:rPr lang="en-US" dirty="0"/>
               <a:t>I can build my app in CI, but not locally!</a:t>
+            </a:r>
+          </a:p>
+          <a:p>
+            <a:pPr lvl="1"/>
+            <a:r>
+              <a:rPr lang="en-US"/>
+              <a:t>Concurrency </a:t>
+            </a:r>
+            <a:r>
+              <a:rPr lang="en-US" dirty="0"/>
+              <a:t>tests may work locally, but fail in docker.</a:t>
             </a:r>
           </a:p>
           <a:p>
@@ -5400,6 +6168,55 @@
                       </p:childTnLst>
                     </p:cTn>
                   </p:par>
+                  <p:par>
+                    <p:cTn id="19" fill="hold">
+                      <p:stCondLst>
+                        <p:cond delay="indefinite"/>
+                      </p:stCondLst>
+                      <p:childTnLst>
+                        <p:par>
+                          <p:cTn id="20" fill="hold">
+                            <p:stCondLst>
+                              <p:cond delay="0"/>
+                            </p:stCondLst>
+                            <p:childTnLst>
+                              <p:par>
+                                <p:cTn id="21" presetID="1" presetClass="entr" presetSubtype="0" fill="hold" nodeType="clickEffect">
+                                  <p:stCondLst>
+                                    <p:cond delay="0"/>
+                                  </p:stCondLst>
+                                  <p:childTnLst>
+                                    <p:set>
+                                      <p:cBhvr>
+                                        <p:cTn id="22" dur="1" fill="hold">
+                                          <p:stCondLst>
+                                            <p:cond delay="0"/>
+                                          </p:stCondLst>
+                                        </p:cTn>
+                                        <p:tgtEl>
+                                          <p:spTgt spid="3">
+                                            <p:txEl>
+                                              <p:pRg st="5" end="5"/>
+                                            </p:txEl>
+                                          </p:spTgt>
+                                        </p:tgtEl>
+                                        <p:attrNameLst>
+                                          <p:attrName>style.visibility</p:attrName>
+                                        </p:attrNameLst>
+                                      </p:cBhvr>
+                                      <p:to>
+                                        <p:strVal val="visible"/>
+                                      </p:to>
+                                    </p:set>
+                                  </p:childTnLst>
+                                </p:cTn>
+                              </p:par>
+                            </p:childTnLst>
+                          </p:cTn>
+                        </p:par>
+                      </p:childTnLst>
+                    </p:cTn>
+                  </p:par>
                 </p:childTnLst>
               </p:cTn>
               <p:prevCondLst>
@@ -5425,7 +6242,7 @@
 </p:sld>
 </file>
 
-<file path=ppt/slides/slide23.xml><?xml version="1.0" encoding="utf-8"?>
+<file path=ppt/slides/slide24.xml><?xml version="1.0" encoding="utf-8"?>
 <p:sld xmlns:a="http://schemas.openxmlformats.org/drawingml/2006/main" xmlns:r="http://schemas.openxmlformats.org/officeDocument/2006/relationships" xmlns:p="http://schemas.openxmlformats.org/presentationml/2006/main">
   <p:cSld>
     <p:spTree>
@@ -5718,7 +6535,7 @@
 </p:sld>
 </file>
 
-<file path=ppt/slides/slide24.xml><?xml version="1.0" encoding="utf-8"?>
+<file path=ppt/slides/slide25.xml><?xml version="1.0" encoding="utf-8"?>
 <p:sld xmlns:a="http://schemas.openxmlformats.org/drawingml/2006/main" xmlns:r="http://schemas.openxmlformats.org/officeDocument/2006/relationships" xmlns:p="http://schemas.openxmlformats.org/presentationml/2006/main">
   <p:cSld>
     <p:spTree>
@@ -5941,7 +6758,7 @@
 </p:sld>
 </file>
 
-<file path=ppt/slides/slide25.xml><?xml version="1.0" encoding="utf-8"?>
+<file path=ppt/slides/slide26.xml><?xml version="1.0" encoding="utf-8"?>
 <p:sld xmlns:a="http://schemas.openxmlformats.org/drawingml/2006/main" xmlns:r="http://schemas.openxmlformats.org/officeDocument/2006/relationships" xmlns:p="http://schemas.openxmlformats.org/presentationml/2006/main">
   <p:cSld>
     <p:spTree>
@@ -6029,7 +6846,7 @@
 </p:sld>
 </file>
 
-<file path=ppt/slides/slide26.xml><?xml version="1.0" encoding="utf-8"?>
+<file path=ppt/slides/slide27.xml><?xml version="1.0" encoding="utf-8"?>
 <p:sld xmlns:a="http://schemas.openxmlformats.org/drawingml/2006/main" xmlns:r="http://schemas.openxmlformats.org/officeDocument/2006/relationships" xmlns:p="http://schemas.openxmlformats.org/presentationml/2006/main">
   <p:cSld>
     <p:spTree>
@@ -6117,7 +6934,7 @@
 </p:sld>
 </file>
 
-<file path=ppt/slides/slide27.xml><?xml version="1.0" encoding="utf-8"?>
+<file path=ppt/slides/slide28.xml><?xml version="1.0" encoding="utf-8"?>
 <p:sld xmlns:a="http://schemas.openxmlformats.org/drawingml/2006/main" xmlns:r="http://schemas.openxmlformats.org/officeDocument/2006/relationships" xmlns:p="http://schemas.openxmlformats.org/presentationml/2006/main">
   <p:cSld>
     <p:spTree>
@@ -6175,7 +6992,7 @@
 </p:sld>
 </file>
 
-<file path=ppt/slides/slide28.xml><?xml version="1.0" encoding="utf-8"?>
+<file path=ppt/slides/slide29.xml><?xml version="1.0" encoding="utf-8"?>
 <p:sld xmlns:a="http://schemas.openxmlformats.org/drawingml/2006/main" xmlns:r="http://schemas.openxmlformats.org/officeDocument/2006/relationships" xmlns:p="http://schemas.openxmlformats.org/presentationml/2006/main">
   <p:cSld>
     <p:spTree>
@@ -6400,7 +7217,125 @@
 </p:sld>
 </file>
 
-<file path=ppt/slides/slide29.xml><?xml version="1.0" encoding="utf-8"?>
+<file path=ppt/slides/slide3.xml><?xml version="1.0" encoding="utf-8"?>
+<p:sld xmlns:a="http://schemas.openxmlformats.org/drawingml/2006/main" xmlns:r="http://schemas.openxmlformats.org/officeDocument/2006/relationships" xmlns:p="http://schemas.openxmlformats.org/presentationml/2006/main">
+  <p:cSld>
+    <p:spTree>
+      <p:nvGrpSpPr>
+        <p:cNvPr id="1" name=""/>
+        <p:cNvGrpSpPr/>
+        <p:nvPr/>
+      </p:nvGrpSpPr>
+      <p:grpSpPr>
+        <a:xfrm>
+          <a:off x="0" y="0"/>
+          <a:ext cx="0" cy="0"/>
+          <a:chOff x="0" y="0"/>
+          <a:chExt cx="0" cy="0"/>
+        </a:xfrm>
+      </p:grpSpPr>
+      <p:sp>
+        <p:nvSpPr>
+          <p:cNvPr id="2" name="Title 1">
+            <a:extLst>
+              <a:ext uri="{FF2B5EF4-FFF2-40B4-BE49-F238E27FC236}">
+                <a16:creationId xmlns:a16="http://schemas.microsoft.com/office/drawing/2014/main" id="{31A23138-279E-457D-ABFF-DEA069477EC2}"/>
+              </a:ext>
+            </a:extLst>
+          </p:cNvPr>
+          <p:cNvSpPr>
+            <a:spLocks noGrp="1"/>
+          </p:cNvSpPr>
+          <p:nvPr>
+            <p:ph type="title"/>
+          </p:nvPr>
+        </p:nvSpPr>
+        <p:spPr/>
+        <p:txBody>
+          <a:bodyPr/>
+          <a:lstStyle/>
+          <a:p>
+            <a:r>
+              <a:rPr lang="en-US" dirty="0"/>
+              <a:t>Introduction to our project</a:t>
+            </a:r>
+          </a:p>
+        </p:txBody>
+      </p:sp>
+      <p:sp>
+        <p:nvSpPr>
+          <p:cNvPr id="3" name="Text Placeholder 2">
+            <a:extLst>
+              <a:ext uri="{FF2B5EF4-FFF2-40B4-BE49-F238E27FC236}">
+                <a16:creationId xmlns:a16="http://schemas.microsoft.com/office/drawing/2014/main" id="{7246B39B-39D0-46A4-8490-307AF7DAEC70}"/>
+              </a:ext>
+            </a:extLst>
+          </p:cNvPr>
+          <p:cNvSpPr>
+            <a:spLocks noGrp="1"/>
+          </p:cNvSpPr>
+          <p:nvPr>
+            <p:ph type="body" sz="quarter" idx="13"/>
+          </p:nvPr>
+        </p:nvSpPr>
+        <p:spPr/>
+        <p:txBody>
+          <a:bodyPr/>
+          <a:lstStyle/>
+          <a:p>
+            <a:r>
+              <a:rPr lang="en-US" dirty="0" err="1"/>
+              <a:t>Asp.Net</a:t>
+            </a:r>
+            <a:r>
+              <a:rPr lang="en-US" dirty="0"/>
+              <a:t> Core based backend microservices</a:t>
+            </a:r>
+          </a:p>
+          <a:p>
+            <a:r>
+              <a:rPr lang="en-US" dirty="0" err="1"/>
+              <a:t>Ractjs</a:t>
+            </a:r>
+            <a:r>
+              <a:rPr lang="en-US" dirty="0"/>
+              <a:t> based frontend pp</a:t>
+            </a:r>
+          </a:p>
+          <a:p>
+            <a:r>
+              <a:rPr lang="en-US" dirty="0"/>
+              <a:t>The App should be hosted in Azure (preferred hosting is Managed Kubernetes Cluster)</a:t>
+            </a:r>
+          </a:p>
+          <a:p>
+            <a:r>
+              <a:rPr lang="en-US" dirty="0"/>
+              <a:t>“Sold” to a customer CI/CD system is Azure DevOps</a:t>
+            </a:r>
+          </a:p>
+          <a:p>
+            <a:r>
+              <a:rPr lang="en-US" dirty="0"/>
+              <a:t>No clear scope -&gt; Time and Material type of project</a:t>
+            </a:r>
+          </a:p>
+        </p:txBody>
+      </p:sp>
+    </p:spTree>
+    <p:extLst>
+      <p:ext uri="{BB962C8B-B14F-4D97-AF65-F5344CB8AC3E}">
+        <p14:creationId xmlns:p14="http://schemas.microsoft.com/office/powerpoint/2010/main" val="3214168439"/>
+      </p:ext>
+    </p:extLst>
+  </p:cSld>
+  <p:clrMapOvr>
+    <a:masterClrMapping/>
+  </p:clrMapOvr>
+</p:sld>
+</file>
+
+<file path=ppt/slides/slide30.xml><?xml version="1.0" encoding="utf-8"?>
 <p:sld xmlns:a="http://schemas.openxmlformats.org/drawingml/2006/main" xmlns:r="http://schemas.openxmlformats.org/officeDocument/2006/relationships" xmlns:p="http://schemas.openxmlformats.org/presentationml/2006/main">
   <p:cSld>
     <p:spTree>
@@ -6533,125 +7468,7 @@
 </p:sld>
 </file>
 
-<file path=ppt/slides/slide3.xml><?xml version="1.0" encoding="utf-8"?>
-<p:sld xmlns:a="http://schemas.openxmlformats.org/drawingml/2006/main" xmlns:r="http://schemas.openxmlformats.org/officeDocument/2006/relationships" xmlns:p="http://schemas.openxmlformats.org/presentationml/2006/main">
-  <p:cSld>
-    <p:spTree>
-      <p:nvGrpSpPr>
-        <p:cNvPr id="1" name=""/>
-        <p:cNvGrpSpPr/>
-        <p:nvPr/>
-      </p:nvGrpSpPr>
-      <p:grpSpPr>
-        <a:xfrm>
-          <a:off x="0" y="0"/>
-          <a:ext cx="0" cy="0"/>
-          <a:chOff x="0" y="0"/>
-          <a:chExt cx="0" cy="0"/>
-        </a:xfrm>
-      </p:grpSpPr>
-      <p:sp>
-        <p:nvSpPr>
-          <p:cNvPr id="2" name="Title 1">
-            <a:extLst>
-              <a:ext uri="{FF2B5EF4-FFF2-40B4-BE49-F238E27FC236}">
-                <a16:creationId xmlns:a16="http://schemas.microsoft.com/office/drawing/2014/main" id="{31A23138-279E-457D-ABFF-DEA069477EC2}"/>
-              </a:ext>
-            </a:extLst>
-          </p:cNvPr>
-          <p:cNvSpPr>
-            <a:spLocks noGrp="1"/>
-          </p:cNvSpPr>
-          <p:nvPr>
-            <p:ph type="title"/>
-          </p:nvPr>
-        </p:nvSpPr>
-        <p:spPr/>
-        <p:txBody>
-          <a:bodyPr/>
-          <a:lstStyle/>
-          <a:p>
-            <a:r>
-              <a:rPr lang="en-US" dirty="0"/>
-              <a:t>Introduction to our project</a:t>
-            </a:r>
-          </a:p>
-        </p:txBody>
-      </p:sp>
-      <p:sp>
-        <p:nvSpPr>
-          <p:cNvPr id="3" name="Text Placeholder 2">
-            <a:extLst>
-              <a:ext uri="{FF2B5EF4-FFF2-40B4-BE49-F238E27FC236}">
-                <a16:creationId xmlns:a16="http://schemas.microsoft.com/office/drawing/2014/main" id="{7246B39B-39D0-46A4-8490-307AF7DAEC70}"/>
-              </a:ext>
-            </a:extLst>
-          </p:cNvPr>
-          <p:cNvSpPr>
-            <a:spLocks noGrp="1"/>
-          </p:cNvSpPr>
-          <p:nvPr>
-            <p:ph type="body" sz="quarter" idx="13"/>
-          </p:nvPr>
-        </p:nvSpPr>
-        <p:spPr/>
-        <p:txBody>
-          <a:bodyPr/>
-          <a:lstStyle/>
-          <a:p>
-            <a:r>
-              <a:rPr lang="en-US" dirty="0" err="1"/>
-              <a:t>Asp.Net</a:t>
-            </a:r>
-            <a:r>
-              <a:rPr lang="en-US" dirty="0"/>
-              <a:t> Core based backend microservices</a:t>
-            </a:r>
-          </a:p>
-          <a:p>
-            <a:r>
-              <a:rPr lang="en-US" dirty="0" err="1"/>
-              <a:t>Ractjs</a:t>
-            </a:r>
-            <a:r>
-              <a:rPr lang="en-US" dirty="0"/>
-              <a:t> based frontend pp</a:t>
-            </a:r>
-          </a:p>
-          <a:p>
-            <a:r>
-              <a:rPr lang="en-US" dirty="0"/>
-              <a:t>The App should be hosted in Azure (preferred hosting is Managed Kubernetes Cluster)</a:t>
-            </a:r>
-          </a:p>
-          <a:p>
-            <a:r>
-              <a:rPr lang="en-US" dirty="0"/>
-              <a:t>“Sold” to a customer CI/CD system is Azure DevOps</a:t>
-            </a:r>
-          </a:p>
-          <a:p>
-            <a:r>
-              <a:rPr lang="en-US" dirty="0"/>
-              <a:t>No clear scope -&gt; Time and Material type of project</a:t>
-            </a:r>
-          </a:p>
-        </p:txBody>
-      </p:sp>
-    </p:spTree>
-    <p:extLst>
-      <p:ext uri="{BB962C8B-B14F-4D97-AF65-F5344CB8AC3E}">
-        <p14:creationId xmlns:p14="http://schemas.microsoft.com/office/powerpoint/2010/main" val="3214168439"/>
-      </p:ext>
-    </p:extLst>
-  </p:cSld>
-  <p:clrMapOvr>
-    <a:masterClrMapping/>
-  </p:clrMapOvr>
-</p:sld>
-</file>
-
-<file path=ppt/slides/slide30.xml><?xml version="1.0" encoding="utf-8"?>
+<file path=ppt/slides/slide31.xml><?xml version="1.0" encoding="utf-8"?>
 <p:sld xmlns:a="http://schemas.openxmlformats.org/drawingml/2006/main" xmlns:r="http://schemas.openxmlformats.org/officeDocument/2006/relationships" xmlns:p="http://schemas.openxmlformats.org/presentationml/2006/main">
   <p:cSld>
     <p:spTree>
@@ -6709,7 +7526,7 @@
 </p:sld>
 </file>
 
-<file path=ppt/slides/slide31.xml><?xml version="1.0" encoding="utf-8"?>
+<file path=ppt/slides/slide32.xml><?xml version="1.0" encoding="utf-8"?>
 <p:sld xmlns:a="http://schemas.openxmlformats.org/drawingml/2006/main" xmlns:r="http://schemas.openxmlformats.org/officeDocument/2006/relationships" xmlns:p="http://schemas.openxmlformats.org/presentationml/2006/main">
   <p:cSld>
     <p:spTree>
@@ -6859,7 +7676,7 @@
 </p:sld>
 </file>
 
-<file path=ppt/slides/slide32.xml><?xml version="1.0" encoding="utf-8"?>
+<file path=ppt/slides/slide33.xml><?xml version="1.0" encoding="utf-8"?>
 <p:sld xmlns:a="http://schemas.openxmlformats.org/drawingml/2006/main" xmlns:r="http://schemas.openxmlformats.org/officeDocument/2006/relationships" xmlns:p="http://schemas.openxmlformats.org/presentationml/2006/main">
   <p:cSld>
     <p:spTree>
@@ -7165,7 +7982,7 @@
 </p:sld>
 </file>
 
-<file path=ppt/slides/slide33.xml><?xml version="1.0" encoding="utf-8"?>
+<file path=ppt/slides/slide34.xml><?xml version="1.0" encoding="utf-8"?>
 <p:sld xmlns:a="http://schemas.openxmlformats.org/drawingml/2006/main" xmlns:r="http://schemas.openxmlformats.org/officeDocument/2006/relationships" xmlns:p="http://schemas.openxmlformats.org/presentationml/2006/main">
   <p:cSld>
     <p:spTree>
@@ -7682,7 +8499,7 @@
 </p:sld>
 </file>
 
-<file path=ppt/slides/slide34.xml><?xml version="1.0" encoding="utf-8"?>
+<file path=ppt/slides/slide35.xml><?xml version="1.0" encoding="utf-8"?>
 <p:sld xmlns:a="http://schemas.openxmlformats.org/drawingml/2006/main" xmlns:r="http://schemas.openxmlformats.org/officeDocument/2006/relationships" xmlns:p="http://schemas.openxmlformats.org/presentationml/2006/main">
   <p:cSld>
     <p:spTree>
@@ -7740,7 +8557,7 @@
 </p:sld>
 </file>
 
-<file path=ppt/slides/slide35.xml><?xml version="1.0" encoding="utf-8"?>
+<file path=ppt/slides/slide36.xml><?xml version="1.0" encoding="utf-8"?>
 <p:sld xmlns:a="http://schemas.openxmlformats.org/drawingml/2006/main" xmlns:r="http://schemas.openxmlformats.org/officeDocument/2006/relationships" xmlns:p="http://schemas.openxmlformats.org/presentationml/2006/main">
   <p:cSld>
     <p:spTree>
@@ -7922,7 +8739,7 @@
 </p:sld>
 </file>
 
-<file path=ppt/slides/slide36.xml><?xml version="1.0" encoding="utf-8"?>
+<file path=ppt/slides/slide37.xml><?xml version="1.0" encoding="utf-8"?>
 <p:sld xmlns:a="http://schemas.openxmlformats.org/drawingml/2006/main" xmlns:r="http://schemas.openxmlformats.org/officeDocument/2006/relationships" xmlns:p="http://schemas.openxmlformats.org/presentationml/2006/main">
   <p:cSld>
     <p:spTree>
@@ -8062,7 +8879,7 @@
 </p:sld>
 </file>
 
-<file path=ppt/slides/slide37.xml><?xml version="1.0" encoding="utf-8"?>
+<file path=ppt/slides/slide38.xml><?xml version="1.0" encoding="utf-8"?>
 <p:sld xmlns:a="http://schemas.openxmlformats.org/drawingml/2006/main" xmlns:r="http://schemas.openxmlformats.org/officeDocument/2006/relationships" xmlns:p="http://schemas.openxmlformats.org/presentationml/2006/main">
   <p:cSld>
     <p:spTree>
@@ -8150,7 +8967,7 @@
 </p:sld>
 </file>
 
-<file path=ppt/slides/slide38.xml><?xml version="1.0" encoding="utf-8"?>
+<file path=ppt/slides/slide39.xml><?xml version="1.0" encoding="utf-8"?>
 <p:sld xmlns:a="http://schemas.openxmlformats.org/drawingml/2006/main" xmlns:r="http://schemas.openxmlformats.org/officeDocument/2006/relationships" xmlns:p="http://schemas.openxmlformats.org/presentationml/2006/main">
   <p:cSld>
     <p:spTree>
@@ -8238,134 +9055,6 @@
 </p:sld>
 </file>
 
-<file path=ppt/slides/slide39.xml><?xml version="1.0" encoding="utf-8"?>
-<p:sld xmlns:a="http://schemas.openxmlformats.org/drawingml/2006/main" xmlns:r="http://schemas.openxmlformats.org/officeDocument/2006/relationships" xmlns:p="http://schemas.openxmlformats.org/presentationml/2006/main" show="0">
-  <p:cSld>
-    <p:spTree>
-      <p:nvGrpSpPr>
-        <p:cNvPr id="1" name=""/>
-        <p:cNvGrpSpPr/>
-        <p:nvPr/>
-      </p:nvGrpSpPr>
-      <p:grpSpPr>
-        <a:xfrm>
-          <a:off x="0" y="0"/>
-          <a:ext cx="0" cy="0"/>
-          <a:chOff x="0" y="0"/>
-          <a:chExt cx="0" cy="0"/>
-        </a:xfrm>
-      </p:grpSpPr>
-      <p:sp>
-        <p:nvSpPr>
-          <p:cNvPr id="2" name="Title 1">
-            <a:extLst>
-              <a:ext uri="{FF2B5EF4-FFF2-40B4-BE49-F238E27FC236}">
-                <a16:creationId xmlns:a16="http://schemas.microsoft.com/office/drawing/2014/main" id="{04FE9CCA-A8B2-4D4B-8028-301F0EB1E929}"/>
-              </a:ext>
-            </a:extLst>
-          </p:cNvPr>
-          <p:cNvSpPr>
-            <a:spLocks noGrp="1"/>
-          </p:cNvSpPr>
-          <p:nvPr>
-            <p:ph type="title"/>
-          </p:nvPr>
-        </p:nvSpPr>
-        <p:spPr/>
-        <p:txBody>
-          <a:bodyPr/>
-          <a:lstStyle/>
-          <a:p>
-            <a:r>
-              <a:rPr lang="en-US" dirty="0"/>
-              <a:t>Scale in/out (daily spikes handling) challenge</a:t>
-            </a:r>
-          </a:p>
-        </p:txBody>
-      </p:sp>
-      <p:sp>
-        <p:nvSpPr>
-          <p:cNvPr id="3" name="Text Placeholder 2">
-            <a:extLst>
-              <a:ext uri="{FF2B5EF4-FFF2-40B4-BE49-F238E27FC236}">
-                <a16:creationId xmlns:a16="http://schemas.microsoft.com/office/drawing/2014/main" id="{89D0DF6C-00FC-4E88-B33B-DF55A0C396CF}"/>
-              </a:ext>
-            </a:extLst>
-          </p:cNvPr>
-          <p:cNvSpPr>
-            <a:spLocks noGrp="1"/>
-          </p:cNvSpPr>
-          <p:nvPr>
-            <p:ph type="body" sz="quarter" idx="13"/>
-          </p:nvPr>
-        </p:nvSpPr>
-        <p:spPr/>
-        <p:txBody>
-          <a:bodyPr/>
-          <a:lstStyle/>
-          <a:p>
-            <a:r>
-              <a:rPr lang="en-US" dirty="0"/>
-              <a:t>Option 1: scale in/out using ARM templates</a:t>
-            </a:r>
-          </a:p>
-          <a:p>
-            <a:pPr lvl="1"/>
-            <a:r>
-              <a:rPr lang="en-US" dirty="0"/>
-              <a:t>Pro: always up-to-date parameters in a repo</a:t>
-            </a:r>
-          </a:p>
-          <a:p>
-            <a:pPr lvl="1"/>
-            <a:r>
-              <a:rPr lang="en-US" dirty="0" err="1"/>
-              <a:t>Contr</a:t>
-            </a:r>
-            <a:r>
-              <a:rPr lang="en-US" dirty="0"/>
-              <a:t>: multiple deployments per day (between 2 and N)</a:t>
-            </a:r>
-          </a:p>
-          <a:p>
-            <a:r>
-              <a:rPr lang="en-US" dirty="0"/>
-              <a:t>Option 2: autoscaling (multiple options to implement via Azure Automation or using Kubernetes operator)</a:t>
-            </a:r>
-          </a:p>
-          <a:p>
-            <a:pPr lvl="1"/>
-            <a:r>
-              <a:rPr lang="en-US" dirty="0" err="1"/>
-              <a:t>Contr</a:t>
-            </a:r>
-            <a:r>
-              <a:rPr lang="en-US" dirty="0"/>
-              <a:t>: in theory, against infrastructure as code approach.</a:t>
-            </a:r>
-          </a:p>
-          <a:p>
-            <a:pPr lvl="1"/>
-            <a:r>
-              <a:rPr lang="en-US" dirty="0"/>
-              <a:t>Pro: active reaction on load.</a:t>
-            </a:r>
-          </a:p>
-        </p:txBody>
-      </p:sp>
-    </p:spTree>
-    <p:extLst>
-      <p:ext uri="{BB962C8B-B14F-4D97-AF65-F5344CB8AC3E}">
-        <p14:creationId xmlns:p14="http://schemas.microsoft.com/office/powerpoint/2010/main" val="3149138927"/>
-      </p:ext>
-    </p:extLst>
-  </p:cSld>
-  <p:clrMapOvr>
-    <a:masterClrMapping/>
-  </p:clrMapOvr>
-</p:sld>
-</file>
-
 <file path=ppt/slides/slide4.xml><?xml version="1.0" encoding="utf-8"?>
 <p:sld xmlns:a="http://schemas.openxmlformats.org/drawingml/2006/main" xmlns:r="http://schemas.openxmlformats.org/officeDocument/2006/relationships" xmlns:p="http://schemas.openxmlformats.org/presentationml/2006/main">
   <p:cSld>
@@ -8464,6 +9153,36 @@
           </a:p>
         </p:txBody>
       </p:sp>
+      <p:pic>
+        <p:nvPicPr>
+          <p:cNvPr id="4" name="Picture 3">
+            <a:extLst>
+              <a:ext uri="{FF2B5EF4-FFF2-40B4-BE49-F238E27FC236}">
+                <a16:creationId xmlns:a16="http://schemas.microsoft.com/office/drawing/2014/main" id="{4B68967D-2AA7-4822-B3E1-9A316AB9E60E}"/>
+              </a:ext>
+            </a:extLst>
+          </p:cNvPr>
+          <p:cNvPicPr>
+            <a:picLocks noChangeAspect="1"/>
+          </p:cNvPicPr>
+          <p:nvPr/>
+        </p:nvPicPr>
+        <p:blipFill>
+          <a:blip r:embed="rId3"/>
+          <a:stretch>
+            <a:fillRect/>
+          </a:stretch>
+        </p:blipFill>
+        <p:spPr>
+          <a:xfrm>
+            <a:off x="1907698" y="2604199"/>
+            <a:ext cx="8062659" cy="3650296"/>
+          </a:xfrm>
+          <a:prstGeom prst="rect">
+            <a:avLst/>
+          </a:prstGeom>
+        </p:spPr>
+      </p:pic>
     </p:spTree>
     <p:extLst>
       <p:ext uri="{BB962C8B-B14F-4D97-AF65-F5344CB8AC3E}">
@@ -8478,7 +9197,7 @@
 </file>
 
 <file path=ppt/slides/slide40.xml><?xml version="1.0" encoding="utf-8"?>
-<p:sld xmlns:a="http://schemas.openxmlformats.org/drawingml/2006/main" xmlns:r="http://schemas.openxmlformats.org/officeDocument/2006/relationships" xmlns:p="http://schemas.openxmlformats.org/presentationml/2006/main">
+<p:sld xmlns:a="http://schemas.openxmlformats.org/drawingml/2006/main" xmlns:r="http://schemas.openxmlformats.org/officeDocument/2006/relationships" xmlns:p="http://schemas.openxmlformats.org/presentationml/2006/main" show="0">
   <p:cSld>
     <p:spTree>
       <p:nvGrpSpPr>
@@ -8496,10 +9215,10 @@
       </p:grpSpPr>
       <p:sp>
         <p:nvSpPr>
-          <p:cNvPr id="4" name="Text Placeholder 3">
-            <a:extLst>
-              <a:ext uri="{FF2B5EF4-FFF2-40B4-BE49-F238E27FC236}">
-                <a16:creationId xmlns:a16="http://schemas.microsoft.com/office/drawing/2014/main" id="{97379A3C-9109-4B7E-9F44-2401EBC5F0F4}"/>
+          <p:cNvPr id="2" name="Title 1">
+            <a:extLst>
+              <a:ext uri="{FF2B5EF4-FFF2-40B4-BE49-F238E27FC236}">
+                <a16:creationId xmlns:a16="http://schemas.microsoft.com/office/drawing/2014/main" id="{04FE9CCA-A8B2-4D4B-8028-301F0EB1E929}"/>
               </a:ext>
             </a:extLst>
           </p:cNvPr>
@@ -8507,22 +9226,87 @@
             <a:spLocks noGrp="1"/>
           </p:cNvSpPr>
           <p:nvPr>
-            <p:ph type="body" sz="quarter" idx="12"/>
+            <p:ph type="title"/>
           </p:nvPr>
         </p:nvSpPr>
-        <p:spPr>
-          <a:xfrm>
-            <a:off x="0" y="3200401"/>
-            <a:ext cx="4707082" cy="1828800"/>
-          </a:xfrm>
-        </p:spPr>
+        <p:spPr/>
         <p:txBody>
           <a:bodyPr/>
           <a:lstStyle/>
           <a:p>
             <a:r>
               <a:rPr lang="en-US" dirty="0"/>
-              <a:t>Application deployment-&gt;CI/CD</a:t>
+              <a:t>Scale in/out (daily spikes handling) challenge</a:t>
+            </a:r>
+          </a:p>
+        </p:txBody>
+      </p:sp>
+      <p:sp>
+        <p:nvSpPr>
+          <p:cNvPr id="3" name="Text Placeholder 2">
+            <a:extLst>
+              <a:ext uri="{FF2B5EF4-FFF2-40B4-BE49-F238E27FC236}">
+                <a16:creationId xmlns:a16="http://schemas.microsoft.com/office/drawing/2014/main" id="{89D0DF6C-00FC-4E88-B33B-DF55A0C396CF}"/>
+              </a:ext>
+            </a:extLst>
+          </p:cNvPr>
+          <p:cNvSpPr>
+            <a:spLocks noGrp="1"/>
+          </p:cNvSpPr>
+          <p:nvPr>
+            <p:ph type="body" sz="quarter" idx="13"/>
+          </p:nvPr>
+        </p:nvSpPr>
+        <p:spPr/>
+        <p:txBody>
+          <a:bodyPr/>
+          <a:lstStyle/>
+          <a:p>
+            <a:r>
+              <a:rPr lang="en-US" dirty="0"/>
+              <a:t>Option 1: scale in/out using ARM templates</a:t>
+            </a:r>
+          </a:p>
+          <a:p>
+            <a:pPr lvl="1"/>
+            <a:r>
+              <a:rPr lang="en-US" dirty="0"/>
+              <a:t>Pro: always up-to-date parameters in a repo</a:t>
+            </a:r>
+          </a:p>
+          <a:p>
+            <a:pPr lvl="1"/>
+            <a:r>
+              <a:rPr lang="en-US" dirty="0" err="1"/>
+              <a:t>Contr</a:t>
+            </a:r>
+            <a:r>
+              <a:rPr lang="en-US" dirty="0"/>
+              <a:t>: multiple deployments per day (between 2 and N)</a:t>
+            </a:r>
+          </a:p>
+          <a:p>
+            <a:r>
+              <a:rPr lang="en-US" dirty="0"/>
+              <a:t>Option 2: autoscaling (multiple options to implement via Azure Automation or using Kubernetes operator)</a:t>
+            </a:r>
+          </a:p>
+          <a:p>
+            <a:pPr lvl="1"/>
+            <a:r>
+              <a:rPr lang="en-US" dirty="0" err="1"/>
+              <a:t>Contr</a:t>
+            </a:r>
+            <a:r>
+              <a:rPr lang="en-US" dirty="0"/>
+              <a:t>: in theory, against infrastructure as code approach.</a:t>
+            </a:r>
+          </a:p>
+          <a:p>
+            <a:pPr lvl="1"/>
+            <a:r>
+              <a:rPr lang="en-US" dirty="0"/>
+              <a:t>Pro: active reaction on load.</a:t>
             </a:r>
           </a:p>
         </p:txBody>
@@ -8530,7 +9314,7 @@
     </p:spTree>
     <p:extLst>
       <p:ext uri="{BB962C8B-B14F-4D97-AF65-F5344CB8AC3E}">
-        <p14:creationId xmlns:p14="http://schemas.microsoft.com/office/powerpoint/2010/main" val="4236677902"/>
+        <p14:creationId xmlns:p14="http://schemas.microsoft.com/office/powerpoint/2010/main" val="3149138927"/>
       </p:ext>
     </p:extLst>
   </p:cSld>
@@ -8559,919 +9343,6 @@
       </p:grpSpPr>
       <p:sp>
         <p:nvSpPr>
-          <p:cNvPr id="3" name="Title 2">
-            <a:extLst>
-              <a:ext uri="{FF2B5EF4-FFF2-40B4-BE49-F238E27FC236}">
-                <a16:creationId xmlns:a16="http://schemas.microsoft.com/office/drawing/2014/main" id="{486889E2-82D9-4AF4-ACF6-27C6B445DCA1}"/>
-              </a:ext>
-            </a:extLst>
-          </p:cNvPr>
-          <p:cNvSpPr>
-            <a:spLocks noGrp="1"/>
-          </p:cNvSpPr>
-          <p:nvPr>
-            <p:ph type="title"/>
-          </p:nvPr>
-        </p:nvSpPr>
-        <p:spPr/>
-        <p:txBody>
-          <a:bodyPr/>
-          <a:lstStyle/>
-          <a:p>
-            <a:r>
-              <a:rPr lang="en-US" dirty="0"/>
-              <a:t>Microservice Releases</a:t>
-            </a:r>
-          </a:p>
-        </p:txBody>
-      </p:sp>
-      <p:sp>
-        <p:nvSpPr>
-          <p:cNvPr id="4" name="Text Placeholder 3">
-            <a:extLst>
-              <a:ext uri="{FF2B5EF4-FFF2-40B4-BE49-F238E27FC236}">
-                <a16:creationId xmlns:a16="http://schemas.microsoft.com/office/drawing/2014/main" id="{E55BD7AD-367C-43FF-96E3-93827AA485A6}"/>
-              </a:ext>
-            </a:extLst>
-          </p:cNvPr>
-          <p:cNvSpPr>
-            <a:spLocks noGrp="1"/>
-          </p:cNvSpPr>
-          <p:nvPr>
-            <p:ph type="body" sz="quarter" idx="13"/>
-          </p:nvPr>
-        </p:nvSpPr>
-        <p:spPr>
-          <a:xfrm>
-            <a:off x="301752" y="1143000"/>
-            <a:ext cx="5517157" cy="4956048"/>
-          </a:xfrm>
-        </p:spPr>
-        <p:txBody>
-          <a:bodyPr/>
-          <a:lstStyle/>
-          <a:p>
-            <a:r>
-              <a:rPr lang="en-US" dirty="0"/>
-              <a:t>Each Microservice independently releasing</a:t>
-            </a:r>
-          </a:p>
-        </p:txBody>
-      </p:sp>
-      <p:pic>
-        <p:nvPicPr>
-          <p:cNvPr id="5" name="Picture 4">
-            <a:extLst>
-              <a:ext uri="{FF2B5EF4-FFF2-40B4-BE49-F238E27FC236}">
-                <a16:creationId xmlns:a16="http://schemas.microsoft.com/office/drawing/2014/main" id="{121AFE16-FD67-4033-8187-30F94DAD299F}"/>
-              </a:ext>
-            </a:extLst>
-          </p:cNvPr>
-          <p:cNvPicPr>
-            <a:picLocks noChangeAspect="1"/>
-          </p:cNvPicPr>
-          <p:nvPr/>
-        </p:nvPicPr>
-        <p:blipFill>
-          <a:blip r:embed="rId2"/>
-          <a:stretch>
-            <a:fillRect/>
-          </a:stretch>
-        </p:blipFill>
-        <p:spPr>
-          <a:xfrm>
-            <a:off x="301752" y="1828800"/>
-            <a:ext cx="3176155" cy="3410967"/>
-          </a:xfrm>
-          <a:prstGeom prst="rect">
-            <a:avLst/>
-          </a:prstGeom>
-        </p:spPr>
-      </p:pic>
-      <p:pic>
-        <p:nvPicPr>
-          <p:cNvPr id="6" name="Picture 5">
-            <a:extLst>
-              <a:ext uri="{FF2B5EF4-FFF2-40B4-BE49-F238E27FC236}">
-                <a16:creationId xmlns:a16="http://schemas.microsoft.com/office/drawing/2014/main" id="{45F8849A-7474-4353-BD27-B2EB81EAC06E}"/>
-              </a:ext>
-            </a:extLst>
-          </p:cNvPr>
-          <p:cNvPicPr>
-            <a:picLocks noChangeAspect="1"/>
-          </p:cNvPicPr>
-          <p:nvPr/>
-        </p:nvPicPr>
-        <p:blipFill>
-          <a:blip r:embed="rId3"/>
-          <a:stretch>
-            <a:fillRect/>
-          </a:stretch>
-        </p:blipFill>
-        <p:spPr>
-          <a:xfrm>
-            <a:off x="2084145" y="1828800"/>
-            <a:ext cx="4457188" cy="2873294"/>
-          </a:xfrm>
-          <a:prstGeom prst="rect">
-            <a:avLst/>
-          </a:prstGeom>
-        </p:spPr>
-      </p:pic>
-      <p:pic>
-        <p:nvPicPr>
-          <p:cNvPr id="7" name="Picture 6">
-            <a:extLst>
-              <a:ext uri="{FF2B5EF4-FFF2-40B4-BE49-F238E27FC236}">
-                <a16:creationId xmlns:a16="http://schemas.microsoft.com/office/drawing/2014/main" id="{6A0EF4D1-4CF9-4267-9C52-A01B090B70EB}"/>
-              </a:ext>
-            </a:extLst>
-          </p:cNvPr>
-          <p:cNvPicPr>
-            <a:picLocks noChangeAspect="1"/>
-          </p:cNvPicPr>
-          <p:nvPr/>
-        </p:nvPicPr>
-        <p:blipFill>
-          <a:blip r:embed="rId4"/>
-          <a:stretch>
-            <a:fillRect/>
-          </a:stretch>
-        </p:blipFill>
-        <p:spPr>
-          <a:xfrm>
-            <a:off x="4294309" y="1784986"/>
-            <a:ext cx="7426636" cy="4314062"/>
-          </a:xfrm>
-          <a:prstGeom prst="rect">
-            <a:avLst/>
-          </a:prstGeom>
-        </p:spPr>
-      </p:pic>
-    </p:spTree>
-    <p:extLst>
-      <p:ext uri="{BB962C8B-B14F-4D97-AF65-F5344CB8AC3E}">
-        <p14:creationId xmlns:p14="http://schemas.microsoft.com/office/powerpoint/2010/main" val="925546507"/>
-      </p:ext>
-    </p:extLst>
-  </p:cSld>
-  <p:clrMapOvr>
-    <a:masterClrMapping/>
-  </p:clrMapOvr>
-  <p:timing>
-    <p:tnLst>
-      <p:par>
-        <p:cTn id="1" dur="indefinite" restart="never" nodeType="tmRoot">
-          <p:childTnLst>
-            <p:seq concurrent="1" nextAc="seek">
-              <p:cTn id="2" dur="indefinite" nodeType="mainSeq">
-                <p:childTnLst>
-                  <p:par>
-                    <p:cTn id="3" fill="hold">
-                      <p:stCondLst>
-                        <p:cond delay="indefinite"/>
-                      </p:stCondLst>
-                      <p:childTnLst>
-                        <p:par>
-                          <p:cTn id="4" fill="hold">
-                            <p:stCondLst>
-                              <p:cond delay="0"/>
-                            </p:stCondLst>
-                            <p:childTnLst>
-                              <p:par>
-                                <p:cTn id="5" presetID="1" presetClass="entr" presetSubtype="0" fill="hold" nodeType="clickEffect">
-                                  <p:stCondLst>
-                                    <p:cond delay="0"/>
-                                  </p:stCondLst>
-                                  <p:childTnLst>
-                                    <p:set>
-                                      <p:cBhvr>
-                                        <p:cTn id="6" dur="1" fill="hold">
-                                          <p:stCondLst>
-                                            <p:cond delay="0"/>
-                                          </p:stCondLst>
-                                        </p:cTn>
-                                        <p:tgtEl>
-                                          <p:spTgt spid="6"/>
-                                        </p:tgtEl>
-                                        <p:attrNameLst>
-                                          <p:attrName>style.visibility</p:attrName>
-                                        </p:attrNameLst>
-                                      </p:cBhvr>
-                                      <p:to>
-                                        <p:strVal val="visible"/>
-                                      </p:to>
-                                    </p:set>
-                                  </p:childTnLst>
-                                </p:cTn>
-                              </p:par>
-                            </p:childTnLst>
-                          </p:cTn>
-                        </p:par>
-                      </p:childTnLst>
-                    </p:cTn>
-                  </p:par>
-                  <p:par>
-                    <p:cTn id="7" fill="hold">
-                      <p:stCondLst>
-                        <p:cond delay="indefinite"/>
-                      </p:stCondLst>
-                      <p:childTnLst>
-                        <p:par>
-                          <p:cTn id="8" fill="hold">
-                            <p:stCondLst>
-                              <p:cond delay="0"/>
-                            </p:stCondLst>
-                            <p:childTnLst>
-                              <p:par>
-                                <p:cTn id="9" presetID="1" presetClass="entr" presetSubtype="0" fill="hold" nodeType="clickEffect">
-                                  <p:stCondLst>
-                                    <p:cond delay="0"/>
-                                  </p:stCondLst>
-                                  <p:childTnLst>
-                                    <p:set>
-                                      <p:cBhvr>
-                                        <p:cTn id="10" dur="1" fill="hold">
-                                          <p:stCondLst>
-                                            <p:cond delay="0"/>
-                                          </p:stCondLst>
-                                        </p:cTn>
-                                        <p:tgtEl>
-                                          <p:spTgt spid="7"/>
-                                        </p:tgtEl>
-                                        <p:attrNameLst>
-                                          <p:attrName>style.visibility</p:attrName>
-                                        </p:attrNameLst>
-                                      </p:cBhvr>
-                                      <p:to>
-                                        <p:strVal val="visible"/>
-                                      </p:to>
-                                    </p:set>
-                                  </p:childTnLst>
-                                </p:cTn>
-                              </p:par>
-                            </p:childTnLst>
-                          </p:cTn>
-                        </p:par>
-                      </p:childTnLst>
-                    </p:cTn>
-                  </p:par>
-                </p:childTnLst>
-              </p:cTn>
-              <p:prevCondLst>
-                <p:cond evt="onPrev" delay="0">
-                  <p:tgtEl>
-                    <p:sldTgt/>
-                  </p:tgtEl>
-                </p:cond>
-              </p:prevCondLst>
-              <p:nextCondLst>
-                <p:cond evt="onNext" delay="0">
-                  <p:tgtEl>
-                    <p:sldTgt/>
-                  </p:tgtEl>
-                </p:cond>
-              </p:nextCondLst>
-            </p:seq>
-          </p:childTnLst>
-        </p:cTn>
-      </p:par>
-    </p:tnLst>
-  </p:timing>
-</p:sld>
-</file>
-
-<file path=ppt/slides/slide42.xml><?xml version="1.0" encoding="utf-8"?>
-<p:sld xmlns:a="http://schemas.openxmlformats.org/drawingml/2006/main" xmlns:r="http://schemas.openxmlformats.org/officeDocument/2006/relationships" xmlns:p="http://schemas.openxmlformats.org/presentationml/2006/main">
-  <p:cSld>
-    <p:spTree>
-      <p:nvGrpSpPr>
-        <p:cNvPr id="1" name=""/>
-        <p:cNvGrpSpPr/>
-        <p:nvPr/>
-      </p:nvGrpSpPr>
-      <p:grpSpPr>
-        <a:xfrm>
-          <a:off x="0" y="0"/>
-          <a:ext cx="0" cy="0"/>
-          <a:chOff x="0" y="0"/>
-          <a:chExt cx="0" cy="0"/>
-        </a:xfrm>
-      </p:grpSpPr>
-      <p:sp>
-        <p:nvSpPr>
-          <p:cNvPr id="2" name="Title 1">
-            <a:extLst>
-              <a:ext uri="{FF2B5EF4-FFF2-40B4-BE49-F238E27FC236}">
-                <a16:creationId xmlns:a16="http://schemas.microsoft.com/office/drawing/2014/main" id="{E8A76024-B55B-4B69-8D5C-33C464D6E5C1}"/>
-              </a:ext>
-            </a:extLst>
-          </p:cNvPr>
-          <p:cNvSpPr>
-            <a:spLocks noGrp="1"/>
-          </p:cNvSpPr>
-          <p:nvPr>
-            <p:ph type="title"/>
-          </p:nvPr>
-        </p:nvSpPr>
-        <p:spPr/>
-        <p:txBody>
-          <a:bodyPr/>
-          <a:lstStyle/>
-          <a:p>
-            <a:r>
-              <a:rPr lang="en-US" dirty="0"/>
-              <a:t>Quality Gates (temporary pause)</a:t>
-            </a:r>
-          </a:p>
-        </p:txBody>
-      </p:sp>
-      <p:pic>
-        <p:nvPicPr>
-          <p:cNvPr id="4" name="Picture 3">
-            <a:extLst>
-              <a:ext uri="{FF2B5EF4-FFF2-40B4-BE49-F238E27FC236}">
-                <a16:creationId xmlns:a16="http://schemas.microsoft.com/office/drawing/2014/main" id="{1E0AD22F-84F2-43D1-B5BD-8AF1286C3309}"/>
-              </a:ext>
-            </a:extLst>
-          </p:cNvPr>
-          <p:cNvPicPr/>
-          <p:nvPr/>
-        </p:nvPicPr>
-        <p:blipFill>
-          <a:blip r:embed="rId2">
-            <a:extLst>
-              <a:ext uri="{28A0092B-C50C-407E-A947-70E740481C1C}">
-                <a14:useLocalDpi xmlns:a14="http://schemas.microsoft.com/office/drawing/2010/main" val="0"/>
-              </a:ext>
-            </a:extLst>
-          </a:blip>
-          <a:srcRect/>
-          <a:stretch>
-            <a:fillRect/>
-          </a:stretch>
-        </p:blipFill>
-        <p:spPr bwMode="auto">
-          <a:xfrm>
-            <a:off x="301752" y="1228552"/>
-            <a:ext cx="4215130" cy="3299460"/>
-          </a:xfrm>
-          <a:prstGeom prst="rect">
-            <a:avLst/>
-          </a:prstGeom>
-          <a:noFill/>
-          <a:ln>
-            <a:noFill/>
-          </a:ln>
-        </p:spPr>
-      </p:pic>
-      <p:pic>
-        <p:nvPicPr>
-          <p:cNvPr id="5" name="Picture 4">
-            <a:extLst>
-              <a:ext uri="{FF2B5EF4-FFF2-40B4-BE49-F238E27FC236}">
-                <a16:creationId xmlns:a16="http://schemas.microsoft.com/office/drawing/2014/main" id="{843B1F36-990A-424E-9027-8D1309E48EE0}"/>
-              </a:ext>
-            </a:extLst>
-          </p:cNvPr>
-          <p:cNvPicPr>
-            <a:picLocks noChangeAspect="1"/>
-          </p:cNvPicPr>
-          <p:nvPr/>
-        </p:nvPicPr>
-        <p:blipFill>
-          <a:blip r:embed="rId3"/>
-          <a:stretch>
-            <a:fillRect/>
-          </a:stretch>
-        </p:blipFill>
-        <p:spPr>
-          <a:xfrm>
-            <a:off x="2409317" y="1228552"/>
-            <a:ext cx="4610100" cy="4210050"/>
-          </a:xfrm>
-          <a:prstGeom prst="rect">
-            <a:avLst/>
-          </a:prstGeom>
-        </p:spPr>
-      </p:pic>
-      <p:pic>
-        <p:nvPicPr>
-          <p:cNvPr id="6" name="Picture 5">
-            <a:extLst>
-              <a:ext uri="{FF2B5EF4-FFF2-40B4-BE49-F238E27FC236}">
-                <a16:creationId xmlns:a16="http://schemas.microsoft.com/office/drawing/2014/main" id="{EF075236-AE14-49B4-A82A-8A70B8F9A3AF}"/>
-              </a:ext>
-            </a:extLst>
-          </p:cNvPr>
-          <p:cNvPicPr/>
-          <p:nvPr/>
-        </p:nvPicPr>
-        <p:blipFill>
-          <a:blip r:embed="rId4"/>
-          <a:stretch>
-            <a:fillRect/>
-          </a:stretch>
-        </p:blipFill>
-        <p:spPr>
-          <a:xfrm>
-            <a:off x="4714367" y="1176597"/>
-            <a:ext cx="4038600" cy="4121150"/>
-          </a:xfrm>
-          <a:prstGeom prst="rect">
-            <a:avLst/>
-          </a:prstGeom>
-        </p:spPr>
-      </p:pic>
-      <p:pic>
-        <p:nvPicPr>
-          <p:cNvPr id="7" name="Picture 6">
-            <a:extLst>
-              <a:ext uri="{FF2B5EF4-FFF2-40B4-BE49-F238E27FC236}">
-                <a16:creationId xmlns:a16="http://schemas.microsoft.com/office/drawing/2014/main" id="{55B7F144-2165-44A8-9C4F-3C2B9838B366}"/>
-              </a:ext>
-            </a:extLst>
-          </p:cNvPr>
-          <p:cNvPicPr/>
-          <p:nvPr/>
-        </p:nvPicPr>
-        <p:blipFill>
-          <a:blip r:embed="rId5"/>
-          <a:stretch>
-            <a:fillRect/>
-          </a:stretch>
-        </p:blipFill>
-        <p:spPr>
-          <a:xfrm>
-            <a:off x="5877040" y="2133600"/>
-            <a:ext cx="5600700" cy="2590800"/>
-          </a:xfrm>
-          <a:prstGeom prst="rect">
-            <a:avLst/>
-          </a:prstGeom>
-        </p:spPr>
-      </p:pic>
-    </p:spTree>
-    <p:extLst>
-      <p:ext uri="{BB962C8B-B14F-4D97-AF65-F5344CB8AC3E}">
-        <p14:creationId xmlns:p14="http://schemas.microsoft.com/office/powerpoint/2010/main" val="1141163424"/>
-      </p:ext>
-    </p:extLst>
-  </p:cSld>
-  <p:clrMapOvr>
-    <a:masterClrMapping/>
-  </p:clrMapOvr>
-  <p:timing>
-    <p:tnLst>
-      <p:par>
-        <p:cTn id="1" dur="indefinite" restart="never" nodeType="tmRoot">
-          <p:childTnLst>
-            <p:seq concurrent="1" nextAc="seek">
-              <p:cTn id="2" dur="indefinite" nodeType="mainSeq">
-                <p:childTnLst>
-                  <p:par>
-                    <p:cTn id="3" fill="hold">
-                      <p:stCondLst>
-                        <p:cond delay="indefinite"/>
-                      </p:stCondLst>
-                      <p:childTnLst>
-                        <p:par>
-                          <p:cTn id="4" fill="hold">
-                            <p:stCondLst>
-                              <p:cond delay="0"/>
-                            </p:stCondLst>
-                            <p:childTnLst>
-                              <p:par>
-                                <p:cTn id="5" presetID="1" presetClass="entr" presetSubtype="0" fill="hold" nodeType="clickEffect">
-                                  <p:stCondLst>
-                                    <p:cond delay="0"/>
-                                  </p:stCondLst>
-                                  <p:childTnLst>
-                                    <p:set>
-                                      <p:cBhvr>
-                                        <p:cTn id="6" dur="1" fill="hold">
-                                          <p:stCondLst>
-                                            <p:cond delay="0"/>
-                                          </p:stCondLst>
-                                        </p:cTn>
-                                        <p:tgtEl>
-                                          <p:spTgt spid="5"/>
-                                        </p:tgtEl>
-                                        <p:attrNameLst>
-                                          <p:attrName>style.visibility</p:attrName>
-                                        </p:attrNameLst>
-                                      </p:cBhvr>
-                                      <p:to>
-                                        <p:strVal val="visible"/>
-                                      </p:to>
-                                    </p:set>
-                                  </p:childTnLst>
-                                </p:cTn>
-                              </p:par>
-                            </p:childTnLst>
-                          </p:cTn>
-                        </p:par>
-                      </p:childTnLst>
-                    </p:cTn>
-                  </p:par>
-                  <p:par>
-                    <p:cTn id="7" fill="hold">
-                      <p:stCondLst>
-                        <p:cond delay="indefinite"/>
-                      </p:stCondLst>
-                      <p:childTnLst>
-                        <p:par>
-                          <p:cTn id="8" fill="hold">
-                            <p:stCondLst>
-                              <p:cond delay="0"/>
-                            </p:stCondLst>
-                            <p:childTnLst>
-                              <p:par>
-                                <p:cTn id="9" presetID="1" presetClass="entr" presetSubtype="0" fill="hold" nodeType="clickEffect">
-                                  <p:stCondLst>
-                                    <p:cond delay="0"/>
-                                  </p:stCondLst>
-                                  <p:childTnLst>
-                                    <p:set>
-                                      <p:cBhvr>
-                                        <p:cTn id="10" dur="1" fill="hold">
-                                          <p:stCondLst>
-                                            <p:cond delay="0"/>
-                                          </p:stCondLst>
-                                        </p:cTn>
-                                        <p:tgtEl>
-                                          <p:spTgt spid="6"/>
-                                        </p:tgtEl>
-                                        <p:attrNameLst>
-                                          <p:attrName>style.visibility</p:attrName>
-                                        </p:attrNameLst>
-                                      </p:cBhvr>
-                                      <p:to>
-                                        <p:strVal val="visible"/>
-                                      </p:to>
-                                    </p:set>
-                                  </p:childTnLst>
-                                </p:cTn>
-                              </p:par>
-                            </p:childTnLst>
-                          </p:cTn>
-                        </p:par>
-                      </p:childTnLst>
-                    </p:cTn>
-                  </p:par>
-                  <p:par>
-                    <p:cTn id="11" fill="hold">
-                      <p:stCondLst>
-                        <p:cond delay="indefinite"/>
-                      </p:stCondLst>
-                      <p:childTnLst>
-                        <p:par>
-                          <p:cTn id="12" fill="hold">
-                            <p:stCondLst>
-                              <p:cond delay="0"/>
-                            </p:stCondLst>
-                            <p:childTnLst>
-                              <p:par>
-                                <p:cTn id="13" presetID="1" presetClass="entr" presetSubtype="0" fill="hold" nodeType="clickEffect">
-                                  <p:stCondLst>
-                                    <p:cond delay="0"/>
-                                  </p:stCondLst>
-                                  <p:childTnLst>
-                                    <p:set>
-                                      <p:cBhvr>
-                                        <p:cTn id="14" dur="1" fill="hold">
-                                          <p:stCondLst>
-                                            <p:cond delay="0"/>
-                                          </p:stCondLst>
-                                        </p:cTn>
-                                        <p:tgtEl>
-                                          <p:spTgt spid="7"/>
-                                        </p:tgtEl>
-                                        <p:attrNameLst>
-                                          <p:attrName>style.visibility</p:attrName>
-                                        </p:attrNameLst>
-                                      </p:cBhvr>
-                                      <p:to>
-                                        <p:strVal val="visible"/>
-                                      </p:to>
-                                    </p:set>
-                                  </p:childTnLst>
-                                </p:cTn>
-                              </p:par>
-                            </p:childTnLst>
-                          </p:cTn>
-                        </p:par>
-                      </p:childTnLst>
-                    </p:cTn>
-                  </p:par>
-                </p:childTnLst>
-              </p:cTn>
-              <p:prevCondLst>
-                <p:cond evt="onPrev" delay="0">
-                  <p:tgtEl>
-                    <p:sldTgt/>
-                  </p:tgtEl>
-                </p:cond>
-              </p:prevCondLst>
-              <p:nextCondLst>
-                <p:cond evt="onNext" delay="0">
-                  <p:tgtEl>
-                    <p:sldTgt/>
-                  </p:tgtEl>
-                </p:cond>
-              </p:nextCondLst>
-            </p:seq>
-          </p:childTnLst>
-        </p:cTn>
-      </p:par>
-    </p:tnLst>
-  </p:timing>
-</p:sld>
-</file>
-
-<file path=ppt/slides/slide43.xml><?xml version="1.0" encoding="utf-8"?>
-<p:sld xmlns:a="http://schemas.openxmlformats.org/drawingml/2006/main" xmlns:r="http://schemas.openxmlformats.org/officeDocument/2006/relationships" xmlns:p="http://schemas.openxmlformats.org/presentationml/2006/main">
-  <p:cSld>
-    <p:spTree>
-      <p:nvGrpSpPr>
-        <p:cNvPr id="1" name=""/>
-        <p:cNvGrpSpPr/>
-        <p:nvPr/>
-      </p:nvGrpSpPr>
-      <p:grpSpPr>
-        <a:xfrm>
-          <a:off x="0" y="0"/>
-          <a:ext cx="0" cy="0"/>
-          <a:chOff x="0" y="0"/>
-          <a:chExt cx="0" cy="0"/>
-        </a:xfrm>
-      </p:grpSpPr>
-      <p:sp>
-        <p:nvSpPr>
-          <p:cNvPr id="2" name="Title 1">
-            <a:extLst>
-              <a:ext uri="{FF2B5EF4-FFF2-40B4-BE49-F238E27FC236}">
-                <a16:creationId xmlns:a16="http://schemas.microsoft.com/office/drawing/2014/main" id="{2347408D-C5A7-461F-A01B-DB5157D66151}"/>
-              </a:ext>
-            </a:extLst>
-          </p:cNvPr>
-          <p:cNvSpPr>
-            <a:spLocks noGrp="1"/>
-          </p:cNvSpPr>
-          <p:nvPr>
-            <p:ph type="title"/>
-          </p:nvPr>
-        </p:nvSpPr>
-        <p:spPr/>
-        <p:txBody>
-          <a:bodyPr/>
-          <a:lstStyle/>
-          <a:p>
-            <a:r>
-              <a:rPr lang="en-US" dirty="0"/>
-              <a:t>Quality Gates (temporary pause) 2</a:t>
-            </a:r>
-          </a:p>
-        </p:txBody>
-      </p:sp>
-      <p:pic>
-        <p:nvPicPr>
-          <p:cNvPr id="4" name="Picture 3">
-            <a:extLst>
-              <a:ext uri="{FF2B5EF4-FFF2-40B4-BE49-F238E27FC236}">
-                <a16:creationId xmlns:a16="http://schemas.microsoft.com/office/drawing/2014/main" id="{7A069AAB-199D-4637-8957-4326CBEF4FAD}"/>
-              </a:ext>
-            </a:extLst>
-          </p:cNvPr>
-          <p:cNvPicPr/>
-          <p:nvPr/>
-        </p:nvPicPr>
-        <p:blipFill>
-          <a:blip r:embed="rId2"/>
-          <a:stretch>
-            <a:fillRect/>
-          </a:stretch>
-        </p:blipFill>
-        <p:spPr>
-          <a:xfrm>
-            <a:off x="301751" y="987553"/>
-            <a:ext cx="5330121" cy="4322202"/>
-          </a:xfrm>
-          <a:prstGeom prst="rect">
-            <a:avLst/>
-          </a:prstGeom>
-        </p:spPr>
-      </p:pic>
-      <p:pic>
-        <p:nvPicPr>
-          <p:cNvPr id="6" name="Picture 5">
-            <a:extLst>
-              <a:ext uri="{FF2B5EF4-FFF2-40B4-BE49-F238E27FC236}">
-                <a16:creationId xmlns:a16="http://schemas.microsoft.com/office/drawing/2014/main" id="{1F88FB75-9A37-4C72-965E-6D53070F4464}"/>
-              </a:ext>
-            </a:extLst>
-          </p:cNvPr>
-          <p:cNvPicPr/>
-          <p:nvPr/>
-        </p:nvPicPr>
-        <p:blipFill>
-          <a:blip r:embed="rId3"/>
-          <a:stretch>
-            <a:fillRect/>
-          </a:stretch>
-        </p:blipFill>
-        <p:spPr>
-          <a:xfrm>
-            <a:off x="1357745" y="1008543"/>
-            <a:ext cx="9511146" cy="4861904"/>
-          </a:xfrm>
-          <a:prstGeom prst="rect">
-            <a:avLst/>
-          </a:prstGeom>
-        </p:spPr>
-      </p:pic>
-      <p:pic>
-        <p:nvPicPr>
-          <p:cNvPr id="5" name="Picture 4">
-            <a:extLst>
-              <a:ext uri="{FF2B5EF4-FFF2-40B4-BE49-F238E27FC236}">
-                <a16:creationId xmlns:a16="http://schemas.microsoft.com/office/drawing/2014/main" id="{1ED0C3D4-0D47-4BBF-9035-65036C787F87}"/>
-              </a:ext>
-            </a:extLst>
-          </p:cNvPr>
-          <p:cNvPicPr>
-            <a:picLocks noChangeAspect="1"/>
-          </p:cNvPicPr>
-          <p:nvPr/>
-        </p:nvPicPr>
-        <p:blipFill>
-          <a:blip r:embed="rId4"/>
-          <a:stretch>
-            <a:fillRect/>
-          </a:stretch>
-        </p:blipFill>
-        <p:spPr>
-          <a:xfrm>
-            <a:off x="5709892" y="987553"/>
-            <a:ext cx="6180356" cy="2819644"/>
-          </a:xfrm>
-          <a:prstGeom prst="rect">
-            <a:avLst/>
-          </a:prstGeom>
-        </p:spPr>
-      </p:pic>
-    </p:spTree>
-    <p:extLst>
-      <p:ext uri="{BB962C8B-B14F-4D97-AF65-F5344CB8AC3E}">
-        <p14:creationId xmlns:p14="http://schemas.microsoft.com/office/powerpoint/2010/main" val="4176253633"/>
-      </p:ext>
-    </p:extLst>
-  </p:cSld>
-  <p:clrMapOvr>
-    <a:masterClrMapping/>
-  </p:clrMapOvr>
-  <p:timing>
-    <p:tnLst>
-      <p:par>
-        <p:cTn id="1" dur="indefinite" restart="never" nodeType="tmRoot">
-          <p:childTnLst>
-            <p:seq concurrent="1" nextAc="seek">
-              <p:cTn id="2" dur="indefinite" nodeType="mainSeq">
-                <p:childTnLst>
-                  <p:par>
-                    <p:cTn id="3" fill="hold">
-                      <p:stCondLst>
-                        <p:cond delay="indefinite"/>
-                      </p:stCondLst>
-                      <p:childTnLst>
-                        <p:par>
-                          <p:cTn id="4" fill="hold">
-                            <p:stCondLst>
-                              <p:cond delay="0"/>
-                            </p:stCondLst>
-                            <p:childTnLst>
-                              <p:par>
-                                <p:cTn id="5" presetID="1" presetClass="entr" presetSubtype="0" fill="hold" nodeType="clickEffect">
-                                  <p:stCondLst>
-                                    <p:cond delay="0"/>
-                                  </p:stCondLst>
-                                  <p:childTnLst>
-                                    <p:set>
-                                      <p:cBhvr>
-                                        <p:cTn id="6" dur="1" fill="hold">
-                                          <p:stCondLst>
-                                            <p:cond delay="0"/>
-                                          </p:stCondLst>
-                                        </p:cTn>
-                                        <p:tgtEl>
-                                          <p:spTgt spid="6"/>
-                                        </p:tgtEl>
-                                        <p:attrNameLst>
-                                          <p:attrName>style.visibility</p:attrName>
-                                        </p:attrNameLst>
-                                      </p:cBhvr>
-                                      <p:to>
-                                        <p:strVal val="visible"/>
-                                      </p:to>
-                                    </p:set>
-                                  </p:childTnLst>
-                                </p:cTn>
-                              </p:par>
-                            </p:childTnLst>
-                          </p:cTn>
-                        </p:par>
-                      </p:childTnLst>
-                    </p:cTn>
-                  </p:par>
-                  <p:par>
-                    <p:cTn id="7" fill="hold">
-                      <p:stCondLst>
-                        <p:cond delay="indefinite"/>
-                      </p:stCondLst>
-                      <p:childTnLst>
-                        <p:par>
-                          <p:cTn id="8" fill="hold">
-                            <p:stCondLst>
-                              <p:cond delay="0"/>
-                            </p:stCondLst>
-                            <p:childTnLst>
-                              <p:par>
-                                <p:cTn id="9" presetID="1" presetClass="entr" presetSubtype="0" fill="hold" nodeType="clickEffect">
-                                  <p:stCondLst>
-                                    <p:cond delay="0"/>
-                                  </p:stCondLst>
-                                  <p:childTnLst>
-                                    <p:set>
-                                      <p:cBhvr>
-                                        <p:cTn id="10" dur="1" fill="hold">
-                                          <p:stCondLst>
-                                            <p:cond delay="0"/>
-                                          </p:stCondLst>
-                                        </p:cTn>
-                                        <p:tgtEl>
-                                          <p:spTgt spid="5"/>
-                                        </p:tgtEl>
-                                        <p:attrNameLst>
-                                          <p:attrName>style.visibility</p:attrName>
-                                        </p:attrNameLst>
-                                      </p:cBhvr>
-                                      <p:to>
-                                        <p:strVal val="visible"/>
-                                      </p:to>
-                                    </p:set>
-                                  </p:childTnLst>
-                                </p:cTn>
-                              </p:par>
-                            </p:childTnLst>
-                          </p:cTn>
-                        </p:par>
-                      </p:childTnLst>
-                    </p:cTn>
-                  </p:par>
-                </p:childTnLst>
-              </p:cTn>
-              <p:prevCondLst>
-                <p:cond evt="onPrev" delay="0">
-                  <p:tgtEl>
-                    <p:sldTgt/>
-                  </p:tgtEl>
-                </p:cond>
-              </p:prevCondLst>
-              <p:nextCondLst>
-                <p:cond evt="onNext" delay="0">
-                  <p:tgtEl>
-                    <p:sldTgt/>
-                  </p:tgtEl>
-                </p:cond>
-              </p:nextCondLst>
-            </p:seq>
-          </p:childTnLst>
-        </p:cTn>
-      </p:par>
-    </p:tnLst>
-  </p:timing>
-</p:sld>
-</file>
-
-<file path=ppt/slides/slide44.xml><?xml version="1.0" encoding="utf-8"?>
-<p:sld xmlns:a="http://schemas.openxmlformats.org/drawingml/2006/main" xmlns:r="http://schemas.openxmlformats.org/officeDocument/2006/relationships" xmlns:p="http://schemas.openxmlformats.org/presentationml/2006/main">
-  <p:cSld>
-    <p:spTree>
-      <p:nvGrpSpPr>
-        <p:cNvPr id="1" name=""/>
-        <p:cNvGrpSpPr/>
-        <p:nvPr/>
-      </p:nvGrpSpPr>
-      <p:grpSpPr>
-        <a:xfrm>
-          <a:off x="0" y="0"/>
-          <a:ext cx="0" cy="0"/>
-          <a:chOff x="0" y="0"/>
-          <a:chExt cx="0" cy="0"/>
-        </a:xfrm>
-      </p:grpSpPr>
-      <p:sp>
-        <p:nvSpPr>
           <p:cNvPr id="2" name="Text Placeholder 1">
             <a:extLst>
               <a:ext uri="{FF2B5EF4-FFF2-40B4-BE49-F238E27FC236}">
@@ -9511,7 +9382,7 @@
 </p:sld>
 </file>
 
-<file path=ppt/slides/slide45.xml><?xml version="1.0" encoding="utf-8"?>
+<file path=ppt/slides/slide42.xml><?xml version="1.0" encoding="utf-8"?>
 <p:sld xmlns:a="http://schemas.openxmlformats.org/drawingml/2006/main" xmlns:r="http://schemas.openxmlformats.org/officeDocument/2006/relationships" xmlns:p="http://schemas.openxmlformats.org/presentationml/2006/main">
   <p:cSld>
     <p:spTree>
@@ -9704,7 +9575,7 @@
 </p:sld>
 </file>
 
-<file path=ppt/slides/slide46.xml><?xml version="1.0" encoding="utf-8"?>
+<file path=ppt/slides/slide43.xml><?xml version="1.0" encoding="utf-8"?>
 <p:sld xmlns:a="http://schemas.openxmlformats.org/drawingml/2006/main" xmlns:r="http://schemas.openxmlformats.org/officeDocument/2006/relationships" xmlns:p="http://schemas.openxmlformats.org/presentationml/2006/main">
   <p:cSld>
     <p:spTree>
@@ -9808,7 +9679,7 @@
 </p:sld>
 </file>
 
-<file path=ppt/slides/slide47.xml><?xml version="1.0" encoding="utf-8"?>
+<file path=ppt/slides/slide44.xml><?xml version="1.0" encoding="utf-8"?>
 <p:sld xmlns:a="http://schemas.openxmlformats.org/drawingml/2006/main" xmlns:r="http://schemas.openxmlformats.org/officeDocument/2006/relationships" xmlns:p="http://schemas.openxmlformats.org/presentationml/2006/main">
   <p:cSld>
     <p:spTree>
@@ -9866,7 +9737,7 @@
 </p:sld>
 </file>
 
-<file path=ppt/slides/slide48.xml><?xml version="1.0" encoding="utf-8"?>
+<file path=ppt/slides/slide45.xml><?xml version="1.0" encoding="utf-8"?>
 <p:sld xmlns:a="http://schemas.openxmlformats.org/drawingml/2006/main" xmlns:r="http://schemas.openxmlformats.org/officeDocument/2006/relationships" xmlns:p="http://schemas.openxmlformats.org/presentationml/2006/main">
   <p:cSld>
     <p:spTree>
@@ -9991,7 +9862,7 @@
 </p:sld>
 </file>
 
-<file path=ppt/slides/slide49.xml><?xml version="1.0" encoding="utf-8"?>
+<file path=ppt/slides/slide46.xml><?xml version="1.0" encoding="utf-8"?>
 <p:sld xmlns:a="http://schemas.openxmlformats.org/drawingml/2006/main" xmlns:r="http://schemas.openxmlformats.org/officeDocument/2006/relationships" xmlns:p="http://schemas.openxmlformats.org/presentationml/2006/main">
   <p:cSld>
     <p:spTree>
@@ -10342,65 +10213,7 @@
 </p:sld>
 </file>
 
-<file path=ppt/slides/slide5.xml><?xml version="1.0" encoding="utf-8"?>
-<p:sld xmlns:a="http://schemas.openxmlformats.org/drawingml/2006/main" xmlns:r="http://schemas.openxmlformats.org/officeDocument/2006/relationships" xmlns:p="http://schemas.openxmlformats.org/presentationml/2006/main">
-  <p:cSld>
-    <p:spTree>
-      <p:nvGrpSpPr>
-        <p:cNvPr id="1" name=""/>
-        <p:cNvGrpSpPr/>
-        <p:nvPr/>
-      </p:nvGrpSpPr>
-      <p:grpSpPr>
-        <a:xfrm>
-          <a:off x="0" y="0"/>
-          <a:ext cx="0" cy="0"/>
-          <a:chOff x="0" y="0"/>
-          <a:chExt cx="0" cy="0"/>
-        </a:xfrm>
-      </p:grpSpPr>
-      <p:sp>
-        <p:nvSpPr>
-          <p:cNvPr id="4" name="Text Placeholder 3">
-            <a:extLst>
-              <a:ext uri="{FF2B5EF4-FFF2-40B4-BE49-F238E27FC236}">
-                <a16:creationId xmlns:a16="http://schemas.microsoft.com/office/drawing/2014/main" id="{835C3253-6161-45DB-8DF0-5C0244D31C03}"/>
-              </a:ext>
-            </a:extLst>
-          </p:cNvPr>
-          <p:cNvSpPr>
-            <a:spLocks noGrp="1"/>
-          </p:cNvSpPr>
-          <p:nvPr>
-            <p:ph type="body" sz="quarter" idx="12"/>
-          </p:nvPr>
-        </p:nvSpPr>
-        <p:spPr/>
-        <p:txBody>
-          <a:bodyPr/>
-          <a:lstStyle/>
-          <a:p>
-            <a:r>
-              <a:rPr lang="en-US" dirty="0"/>
-              <a:t>Mono Build/Release</a:t>
-            </a:r>
-          </a:p>
-        </p:txBody>
-      </p:sp>
-    </p:spTree>
-    <p:extLst>
-      <p:ext uri="{BB962C8B-B14F-4D97-AF65-F5344CB8AC3E}">
-        <p14:creationId xmlns:p14="http://schemas.microsoft.com/office/powerpoint/2010/main" val="4025878154"/>
-      </p:ext>
-    </p:extLst>
-  </p:cSld>
-  <p:clrMapOvr>
-    <a:masterClrMapping/>
-  </p:clrMapOvr>
-</p:sld>
-</file>
-
-<file path=ppt/slides/slide50.xml><?xml version="1.0" encoding="utf-8"?>
+<file path=ppt/slides/slide47.xml><?xml version="1.0" encoding="utf-8"?>
 <p:sld xmlns:a="http://schemas.openxmlformats.org/drawingml/2006/main" xmlns:r="http://schemas.openxmlformats.org/officeDocument/2006/relationships" xmlns:p="http://schemas.openxmlformats.org/presentationml/2006/main">
   <p:cSld>
     <p:spTree>
@@ -10630,7 +10443,7 @@
 </p:sld>
 </file>
 
-<file path=ppt/slides/slide51.xml><?xml version="1.0" encoding="utf-8"?>
+<file path=ppt/slides/slide48.xml><?xml version="1.0" encoding="utf-8"?>
 <p:sld xmlns:a="http://schemas.openxmlformats.org/drawingml/2006/main" xmlns:r="http://schemas.openxmlformats.org/officeDocument/2006/relationships" xmlns:p="http://schemas.openxmlformats.org/presentationml/2006/main">
   <p:cSld>
     <p:spTree>
@@ -10688,7 +10501,7 @@
 </p:sld>
 </file>
 
-<file path=ppt/slides/slide52.xml><?xml version="1.0" encoding="utf-8"?>
+<file path=ppt/slides/slide49.xml><?xml version="1.0" encoding="utf-8"?>
 <p:sld xmlns:a="http://schemas.openxmlformats.org/drawingml/2006/main" xmlns:r="http://schemas.openxmlformats.org/officeDocument/2006/relationships" xmlns:p="http://schemas.openxmlformats.org/presentationml/2006/main" show="0">
   <p:cSld>
     <p:spTree>
@@ -10779,7 +10592,65 @@
 </p:sld>
 </file>
 
-<file path=ppt/slides/slide53.xml><?xml version="1.0" encoding="utf-8"?>
+<file path=ppt/slides/slide5.xml><?xml version="1.0" encoding="utf-8"?>
+<p:sld xmlns:a="http://schemas.openxmlformats.org/drawingml/2006/main" xmlns:r="http://schemas.openxmlformats.org/officeDocument/2006/relationships" xmlns:p="http://schemas.openxmlformats.org/presentationml/2006/main">
+  <p:cSld>
+    <p:spTree>
+      <p:nvGrpSpPr>
+        <p:cNvPr id="1" name=""/>
+        <p:cNvGrpSpPr/>
+        <p:nvPr/>
+      </p:nvGrpSpPr>
+      <p:grpSpPr>
+        <a:xfrm>
+          <a:off x="0" y="0"/>
+          <a:ext cx="0" cy="0"/>
+          <a:chOff x="0" y="0"/>
+          <a:chExt cx="0" cy="0"/>
+        </a:xfrm>
+      </p:grpSpPr>
+      <p:sp>
+        <p:nvSpPr>
+          <p:cNvPr id="4" name="Text Placeholder 3">
+            <a:extLst>
+              <a:ext uri="{FF2B5EF4-FFF2-40B4-BE49-F238E27FC236}">
+                <a16:creationId xmlns:a16="http://schemas.microsoft.com/office/drawing/2014/main" id="{835C3253-6161-45DB-8DF0-5C0244D31C03}"/>
+              </a:ext>
+            </a:extLst>
+          </p:cNvPr>
+          <p:cNvSpPr>
+            <a:spLocks noGrp="1"/>
+          </p:cNvSpPr>
+          <p:nvPr>
+            <p:ph type="body" sz="quarter" idx="12"/>
+          </p:nvPr>
+        </p:nvSpPr>
+        <p:spPr/>
+        <p:txBody>
+          <a:bodyPr/>
+          <a:lstStyle/>
+          <a:p>
+            <a:r>
+              <a:rPr lang="en-US" dirty="0"/>
+              <a:t>Mono Build/Release</a:t>
+            </a:r>
+          </a:p>
+        </p:txBody>
+      </p:sp>
+    </p:spTree>
+    <p:extLst>
+      <p:ext uri="{BB962C8B-B14F-4D97-AF65-F5344CB8AC3E}">
+        <p14:creationId xmlns:p14="http://schemas.microsoft.com/office/powerpoint/2010/main" val="4025878154"/>
+      </p:ext>
+    </p:extLst>
+  </p:cSld>
+  <p:clrMapOvr>
+    <a:masterClrMapping/>
+  </p:clrMapOvr>
+</p:sld>
+</file>
+
+<file path=ppt/slides/slide50.xml><?xml version="1.0" encoding="utf-8"?>
 <p:sld xmlns:a="http://schemas.openxmlformats.org/drawingml/2006/main" xmlns:r="http://schemas.openxmlformats.org/officeDocument/2006/relationships" xmlns:p="http://schemas.openxmlformats.org/presentationml/2006/main">
   <p:cSld>
     <p:spTree>
@@ -10828,6 +10699,43 @@
               <a:rPr lang="en-US" dirty="0"/>
               <a:t>Questions!</a:t>
             </a:r>
+          </a:p>
+        </p:txBody>
+      </p:sp>
+      <p:sp>
+        <p:nvSpPr>
+          <p:cNvPr id="2" name="Rectangle 1">
+            <a:extLst>
+              <a:ext uri="{FF2B5EF4-FFF2-40B4-BE49-F238E27FC236}">
+                <a16:creationId xmlns:a16="http://schemas.microsoft.com/office/drawing/2014/main" id="{8CF05FCB-E243-4C2A-9E31-EE08114A4913}"/>
+              </a:ext>
+            </a:extLst>
+          </p:cNvPr>
+          <p:cNvSpPr/>
+          <p:nvPr/>
+        </p:nvSpPr>
+        <p:spPr>
+          <a:xfrm>
+            <a:off x="3826628" y="5332907"/>
+            <a:ext cx="4538743" cy="369332"/>
+          </a:xfrm>
+          <a:prstGeom prst="rect">
+            <a:avLst/>
+          </a:prstGeom>
+        </p:spPr>
+        <p:txBody>
+          <a:bodyPr wrap="none">
+            <a:spAutoFit/>
+          </a:bodyPr>
+          <a:lstStyle/>
+          <a:p>
+            <a:r>
+              <a:rPr lang="en-US" dirty="0">
+                <a:hlinkClick r:id="rId2"/>
+              </a:rPr>
+              <a:t>https://github.com/SychevIgor/pronet_docker</a:t>
+            </a:r>
+            <a:endParaRPr lang="en-US" dirty="0"/>
           </a:p>
         </p:txBody>
       </p:sp>
@@ -12465,21 +12373,6 @@
 </file>
 
 <file path=customXml/item1.xml><?xml version="1.0" encoding="utf-8"?>
-<?mso-contentType ?>
-<FormTemplates xmlns="http://schemas.microsoft.com/sharepoint/v3/contenttype/forms">
-  <Display>DocumentLibraryForm</Display>
-  <Edit>DocumentLibraryForm</Edit>
-  <New>DocumentLibraryForm</New>
-</FormTemplates>
-</file>
-
-<file path=customXml/item2.xml><?xml version="1.0" encoding="utf-8"?>
-<p:properties xmlns:p="http://schemas.microsoft.com/office/2006/metadata/properties" xmlns:xsi="http://www.w3.org/2001/XMLSchema-instance" xmlns:pc="http://schemas.microsoft.com/office/infopath/2007/PartnerControls">
-  <documentManagement/>
-</p:properties>
-</file>
-
-<file path=customXml/item3.xml><?xml version="1.0" encoding="utf-8"?>
 <ct:contentTypeSchema xmlns:ct="http://schemas.microsoft.com/office/2006/metadata/contentType" xmlns:ma="http://schemas.microsoft.com/office/2006/metadata/properties/metaAttributes" ct:_="" ma:_="" ma:contentTypeName="Document" ma:contentTypeID="0x010100D33CF0A556F3FD4585028508D097F84A" ma:contentTypeVersion="2" ma:contentTypeDescription="Create a new document." ma:contentTypeScope="" ma:versionID="695d1d3ef65a41a737452d51a647cfec">
   <xsd:schema xmlns:xsd="http://www.w3.org/2001/XMLSchema" xmlns:xs="http://www.w3.org/2001/XMLSchema" xmlns:p="http://schemas.microsoft.com/office/2006/metadata/properties" xmlns:ns2="621f199c-98aa-40ce-ab2c-42670d93c9fa" targetNamespace="http://schemas.microsoft.com/office/2006/metadata/properties" ma:root="true" ma:fieldsID="c747dccf555a28bc16c026d049f7b246" ns2:_="">
     <xsd:import namespace="621f199c-98aa-40ce-ab2c-42670d93c9fa"/>
@@ -12611,24 +12504,22 @@
 </ct:contentTypeSchema>
 </file>
 
-<file path=customXml/itemProps1.xml><?xml version="1.0" encoding="utf-8"?>
-<ds:datastoreItem xmlns:ds="http://schemas.openxmlformats.org/officeDocument/2006/customXml" ds:itemID="{CE9BDE77-A9EF-4010-9289-49E5355D3F86}">
-  <ds:schemaRefs>
-    <ds:schemaRef ds:uri="http://schemas.microsoft.com/sharepoint/v3/contenttype/forms"/>
-  </ds:schemaRefs>
-</ds:datastoreItem>
+<file path=customXml/item2.xml><?xml version="1.0" encoding="utf-8"?>
+<?mso-contentType ?>
+<FormTemplates xmlns="http://schemas.microsoft.com/sharepoint/v3/contenttype/forms">
+  <Display>DocumentLibraryForm</Display>
+  <Edit>DocumentLibraryForm</Edit>
+  <New>DocumentLibraryForm</New>
+</FormTemplates>
 </file>
 
-<file path=customXml/itemProps2.xml><?xml version="1.0" encoding="utf-8"?>
-<ds:datastoreItem xmlns:ds="http://schemas.openxmlformats.org/officeDocument/2006/customXml" ds:itemID="{EB6A9703-15E2-4E3F-A343-CEF74D08A4B6}">
-  <ds:schemaRefs>
-    <ds:schemaRef ds:uri="http://schemas.microsoft.com/office/2006/metadata/properties"/>
-    <ds:schemaRef ds:uri="http://schemas.microsoft.com/office/infopath/2007/PartnerControls"/>
-  </ds:schemaRefs>
-</ds:datastoreItem>
+<file path=customXml/item3.xml><?xml version="1.0" encoding="utf-8"?>
+<p:properties xmlns:p="http://schemas.microsoft.com/office/2006/metadata/properties" xmlns:xsi="http://www.w3.org/2001/XMLSchema-instance" xmlns:pc="http://schemas.microsoft.com/office/infopath/2007/PartnerControls">
+  <documentManagement/>
+</p:properties>
 </file>
 
-<file path=customXml/itemProps3.xml><?xml version="1.0" encoding="utf-8"?>
+<file path=customXml/itemProps1.xml><?xml version="1.0" encoding="utf-8"?>
 <ds:datastoreItem xmlns:ds="http://schemas.openxmlformats.org/officeDocument/2006/customXml" ds:itemID="{C5387826-CAED-450A-ACF0-D0E8781AFCD5}">
   <ds:schemaRefs>
     <ds:schemaRef ds:uri="http://schemas.microsoft.com/office/2006/metadata/contentType"/>
@@ -12644,4 +12535,21 @@
     <ds:schemaRef ds:uri="http://schemas.microsoft.com/internal/obd"/>
   </ds:schemaRefs>
 </ds:datastoreItem>
+</file>
+
+<file path=customXml/itemProps2.xml><?xml version="1.0" encoding="utf-8"?>
+<ds:datastoreItem xmlns:ds="http://schemas.openxmlformats.org/officeDocument/2006/customXml" ds:itemID="{CE9BDE77-A9EF-4010-9289-49E5355D3F86}">
+  <ds:schemaRefs>
+    <ds:schemaRef ds:uri="http://schemas.microsoft.com/sharepoint/v3/contenttype/forms"/>
+  </ds:schemaRefs>
+</ds:datastoreItem>
+</file>
+
+<file path=customXml/itemProps3.xml><?xml version="1.0" encoding="utf-8"?>
+<ds:datastoreItem xmlns:ds="http://schemas.openxmlformats.org/officeDocument/2006/customXml" ds:itemID="{EB6A9703-15E2-4E3F-A343-CEF74D08A4B6}">
+  <ds:schemaRefs>
+    <ds:schemaRef ds:uri="http://schemas.microsoft.com/office/2006/metadata/properties"/>
+    <ds:schemaRef ds:uri="http://schemas.microsoft.com/office/infopath/2007/PartnerControls"/>
+  </ds:schemaRefs>
+</ds:datastoreItem>
 </file>